--- a/Data_Mining_Team5.pptx
+++ b/Data_Mining_Team5.pptx
@@ -8979,31 +8979,38 @@
           <a:chExt cx="0" cy="0"/>
         </a:xfrm>
       </p:grpSpPr>
-      <p:sp>
-        <p:nvSpPr>
-          <p:cNvPr id="2" name="Content Placeholder 1">
-            <a:extLst>
-              <a:ext uri="{FF2B5EF4-FFF2-40B4-BE49-F238E27FC236}">
-                <a16:creationId xmlns:a16="http://schemas.microsoft.com/office/drawing/2014/main" id="{230983B9-92D9-9663-FE1A-5C2E0096AD79}"/>
-              </a:ext>
-            </a:extLst>
-          </p:cNvPr>
-          <p:cNvSpPr>
-            <a:spLocks noGrp="1"/>
-          </p:cNvSpPr>
+      <p:pic>
+        <p:nvPicPr>
+          <p:cNvPr id="4" name="Content Placeholder 3">
+            <a:extLst>
+              <a:ext uri="{FF2B5EF4-FFF2-40B4-BE49-F238E27FC236}">
+                <a16:creationId xmlns:a16="http://schemas.microsoft.com/office/drawing/2014/main" id="{8CBC2120-D94F-AFF8-0602-5C791835D499}"/>
+              </a:ext>
+            </a:extLst>
+          </p:cNvPr>
+          <p:cNvPicPr>
+            <a:picLocks noGrp="1" noChangeAspect="1"/>
+          </p:cNvPicPr>
           <p:nvPr>
             <p:ph idx="13"/>
           </p:nvPr>
-        </p:nvSpPr>
-        <p:spPr/>
-        <p:txBody>
-          <a:bodyPr/>
-          <a:lstStyle/>
-          <a:p>
-            <a:endParaRPr lang="en-US" dirty="0"/>
-          </a:p>
-        </p:txBody>
-      </p:sp>
+        </p:nvPicPr>
+        <p:blipFill>
+          <a:blip r:embed="rId2"/>
+          <a:stretch>
+            <a:fillRect/>
+          </a:stretch>
+        </p:blipFill>
+        <p:spPr>
+          <a:xfrm>
+            <a:off x="6247161" y="1913708"/>
+            <a:ext cx="5384800" cy="3149600"/>
+          </a:xfrm>
+          <a:prstGeom prst="rect">
+            <a:avLst/>
+          </a:prstGeom>
+        </p:spPr>
+      </p:pic>
       <p:sp>
         <p:nvSpPr>
           <p:cNvPr id="3" name="Title 2">
@@ -9032,6 +9039,36 @@
           </a:p>
         </p:txBody>
       </p:sp>
+      <p:pic>
+        <p:nvPicPr>
+          <p:cNvPr id="5" name="Picture 4">
+            <a:extLst>
+              <a:ext uri="{FF2B5EF4-FFF2-40B4-BE49-F238E27FC236}">
+                <a16:creationId xmlns:a16="http://schemas.microsoft.com/office/drawing/2014/main" id="{EEDEDE3F-D6ED-62F4-048E-CB27570B3B50}"/>
+              </a:ext>
+            </a:extLst>
+          </p:cNvPr>
+          <p:cNvPicPr>
+            <a:picLocks noChangeAspect="1"/>
+          </p:cNvPicPr>
+          <p:nvPr/>
+        </p:nvPicPr>
+        <p:blipFill>
+          <a:blip r:embed="rId3"/>
+          <a:stretch>
+            <a:fillRect/>
+          </a:stretch>
+        </p:blipFill>
+        <p:spPr>
+          <a:xfrm>
+            <a:off x="1554666" y="2745988"/>
+            <a:ext cx="3886200" cy="1143000"/>
+          </a:xfrm>
+          <a:prstGeom prst="rect">
+            <a:avLst/>
+          </a:prstGeom>
+        </p:spPr>
+      </p:pic>
     </p:spTree>
     <p:extLst>
       <p:ext uri="{BB962C8B-B14F-4D97-AF65-F5344CB8AC3E}">

--- a/Data_Mining_Team5.pptx
+++ b/Data_Mining_Team5.pptx
@@ -15,6 +15,14 @@
     <p:sldId id="261" r:id="rId9"/>
     <p:sldId id="263" r:id="rId10"/>
     <p:sldId id="262" r:id="rId11"/>
+    <p:sldId id="264" r:id="rId12"/>
+    <p:sldId id="265" r:id="rId13"/>
+    <p:sldId id="266" r:id="rId14"/>
+    <p:sldId id="267" r:id="rId15"/>
+    <p:sldId id="269" r:id="rId16"/>
+    <p:sldId id="270" r:id="rId17"/>
+    <p:sldId id="271" r:id="rId18"/>
+    <p:sldId id="272" r:id="rId19"/>
   </p:sldIdLst>
   <p:sldSz cx="12192000" cy="6858000"/>
   <p:notesSz cx="6858000" cy="9144000"/>
@@ -7770,6 +7778,730 @@
 </p:sld>
 </file>
 
+<file path=ppt/slides/slide10.xml><?xml version="1.0" encoding="utf-8"?>
+<p:sld xmlns:a="http://schemas.openxmlformats.org/drawingml/2006/main" xmlns:r="http://schemas.openxmlformats.org/officeDocument/2006/relationships" xmlns:p="http://schemas.openxmlformats.org/presentationml/2006/main">
+  <p:cSld>
+    <p:spTree>
+      <p:nvGrpSpPr>
+        <p:cNvPr id="1" name=""/>
+        <p:cNvGrpSpPr/>
+        <p:nvPr/>
+      </p:nvGrpSpPr>
+      <p:grpSpPr>
+        <a:xfrm>
+          <a:off x="0" y="0"/>
+          <a:ext cx="0" cy="0"/>
+          <a:chOff x="0" y="0"/>
+          <a:chExt cx="0" cy="0"/>
+        </a:xfrm>
+      </p:grpSpPr>
+      <p:sp>
+        <p:nvSpPr>
+          <p:cNvPr id="3" name="Title 2">
+            <a:extLst>
+              <a:ext uri="{FF2B5EF4-FFF2-40B4-BE49-F238E27FC236}">
+                <a16:creationId xmlns:a16="http://schemas.microsoft.com/office/drawing/2014/main" id="{475692B9-20D3-B27F-0B39-461D86278E3F}"/>
+              </a:ext>
+            </a:extLst>
+          </p:cNvPr>
+          <p:cNvSpPr>
+            <a:spLocks noGrp="1"/>
+          </p:cNvSpPr>
+          <p:nvPr>
+            <p:ph type="title"/>
+          </p:nvPr>
+        </p:nvSpPr>
+        <p:spPr/>
+        <p:txBody>
+          <a:bodyPr/>
+          <a:lstStyle/>
+          <a:p>
+            <a:r>
+              <a:rPr lang="en-US" dirty="0">
+                <a:solidFill>
+                  <a:schemeClr val="tx1"/>
+                </a:solidFill>
+              </a:rPr>
+              <a:t>Decision Tree</a:t>
+            </a:r>
+          </a:p>
+        </p:txBody>
+      </p:sp>
+      <p:pic>
+        <p:nvPicPr>
+          <p:cNvPr id="4" name="Content Placeholder 3" descr="Graphical user interface, application&#10;&#10;Description automatically generated">
+            <a:extLst>
+              <a:ext uri="{FF2B5EF4-FFF2-40B4-BE49-F238E27FC236}">
+                <a16:creationId xmlns:a16="http://schemas.microsoft.com/office/drawing/2014/main" id="{A2CD8591-4F2A-D4CA-37F6-1EA99D910F1D}"/>
+              </a:ext>
+            </a:extLst>
+          </p:cNvPr>
+          <p:cNvPicPr>
+            <a:picLocks noGrp="1" noChangeAspect="1"/>
+          </p:cNvPicPr>
+          <p:nvPr>
+            <p:ph idx="13"/>
+          </p:nvPr>
+        </p:nvPicPr>
+        <p:blipFill>
+          <a:blip r:embed="rId2"/>
+          <a:stretch>
+            <a:fillRect/>
+          </a:stretch>
+        </p:blipFill>
+        <p:spPr>
+          <a:xfrm>
+            <a:off x="5938306" y="1892532"/>
+            <a:ext cx="6047113" cy="3475038"/>
+          </a:xfrm>
+          <a:prstGeom prst="rect">
+            <a:avLst/>
+          </a:prstGeom>
+        </p:spPr>
+      </p:pic>
+      <p:pic>
+        <p:nvPicPr>
+          <p:cNvPr id="5" name="Picture 4" descr="A screenshot of a computer&#10;&#10;Description automatically generated with low confidence">
+            <a:extLst>
+              <a:ext uri="{FF2B5EF4-FFF2-40B4-BE49-F238E27FC236}">
+                <a16:creationId xmlns:a16="http://schemas.microsoft.com/office/drawing/2014/main" id="{51A64C6C-B54B-0D45-E2D7-D364E38A7133}"/>
+              </a:ext>
+            </a:extLst>
+          </p:cNvPr>
+          <p:cNvPicPr>
+            <a:picLocks noChangeAspect="1"/>
+          </p:cNvPicPr>
+          <p:nvPr/>
+        </p:nvPicPr>
+        <p:blipFill>
+          <a:blip r:embed="rId3"/>
+          <a:stretch>
+            <a:fillRect/>
+          </a:stretch>
+        </p:blipFill>
+        <p:spPr>
+          <a:xfrm>
+            <a:off x="1014575" y="2123750"/>
+            <a:ext cx="4587240" cy="2788920"/>
+          </a:xfrm>
+          <a:prstGeom prst="rect">
+            <a:avLst/>
+          </a:prstGeom>
+        </p:spPr>
+      </p:pic>
+    </p:spTree>
+    <p:extLst>
+      <p:ext uri="{BB962C8B-B14F-4D97-AF65-F5344CB8AC3E}">
+        <p14:creationId xmlns:p14="http://schemas.microsoft.com/office/powerpoint/2010/main" val="4224751395"/>
+      </p:ext>
+    </p:extLst>
+  </p:cSld>
+  <p:clrMapOvr>
+    <a:masterClrMapping/>
+  </p:clrMapOvr>
+</p:sld>
+</file>
+
+<file path=ppt/slides/slide11.xml><?xml version="1.0" encoding="utf-8"?>
+<p:sld xmlns:a="http://schemas.openxmlformats.org/drawingml/2006/main" xmlns:r="http://schemas.openxmlformats.org/officeDocument/2006/relationships" xmlns:p="http://schemas.openxmlformats.org/presentationml/2006/main">
+  <p:cSld>
+    <p:spTree>
+      <p:nvGrpSpPr>
+        <p:cNvPr id="1" name=""/>
+        <p:cNvGrpSpPr/>
+        <p:nvPr/>
+      </p:nvGrpSpPr>
+      <p:grpSpPr>
+        <a:xfrm>
+          <a:off x="0" y="0"/>
+          <a:ext cx="0" cy="0"/>
+          <a:chOff x="0" y="0"/>
+          <a:chExt cx="0" cy="0"/>
+        </a:xfrm>
+      </p:grpSpPr>
+      <p:sp>
+        <p:nvSpPr>
+          <p:cNvPr id="3" name="Title 2">
+            <a:extLst>
+              <a:ext uri="{FF2B5EF4-FFF2-40B4-BE49-F238E27FC236}">
+                <a16:creationId xmlns:a16="http://schemas.microsoft.com/office/drawing/2014/main" id="{39FFA98F-AEC6-446D-382E-EA997C5B8954}"/>
+              </a:ext>
+            </a:extLst>
+          </p:cNvPr>
+          <p:cNvSpPr>
+            <a:spLocks noGrp="1"/>
+          </p:cNvSpPr>
+          <p:nvPr>
+            <p:ph type="title"/>
+          </p:nvPr>
+        </p:nvSpPr>
+        <p:spPr>
+          <a:xfrm>
+            <a:off x="1540324" y="734453"/>
+            <a:ext cx="3104346" cy="975070"/>
+          </a:xfrm>
+        </p:spPr>
+        <p:txBody>
+          <a:bodyPr/>
+          <a:lstStyle/>
+          <a:p>
+            <a:r>
+              <a:rPr lang="en-US" dirty="0">
+                <a:solidFill>
+                  <a:schemeClr val="tx1"/>
+                </a:solidFill>
+              </a:rPr>
+              <a:t>KNN Model</a:t>
+            </a:r>
+          </a:p>
+        </p:txBody>
+      </p:sp>
+      <p:pic>
+        <p:nvPicPr>
+          <p:cNvPr id="4" name="Content Placeholder 3" descr="A picture containing text, receipt, screenshot&#10;&#10;Description automatically generated">
+            <a:extLst>
+              <a:ext uri="{FF2B5EF4-FFF2-40B4-BE49-F238E27FC236}">
+                <a16:creationId xmlns:a16="http://schemas.microsoft.com/office/drawing/2014/main" id="{384DB02A-F0ED-5264-FE06-6BF81229B0F8}"/>
+              </a:ext>
+            </a:extLst>
+          </p:cNvPr>
+          <p:cNvPicPr>
+            <a:picLocks noGrp="1" noChangeAspect="1"/>
+          </p:cNvPicPr>
+          <p:nvPr>
+            <p:ph idx="13"/>
+          </p:nvPr>
+        </p:nvPicPr>
+        <p:blipFill>
+          <a:blip r:embed="rId2"/>
+          <a:stretch>
+            <a:fillRect/>
+          </a:stretch>
+        </p:blipFill>
+        <p:spPr>
+          <a:xfrm>
+            <a:off x="6613263" y="78057"/>
+            <a:ext cx="4724400" cy="2819400"/>
+          </a:xfrm>
+          <a:prstGeom prst="rect">
+            <a:avLst/>
+          </a:prstGeom>
+        </p:spPr>
+      </p:pic>
+      <p:pic>
+        <p:nvPicPr>
+          <p:cNvPr id="5" name="Picture 4" descr="Chart&#10;&#10;Description automatically generated">
+            <a:extLst>
+              <a:ext uri="{FF2B5EF4-FFF2-40B4-BE49-F238E27FC236}">
+                <a16:creationId xmlns:a16="http://schemas.microsoft.com/office/drawing/2014/main" id="{C8B48809-35B1-5E82-C023-D71B2EFE73EE}"/>
+              </a:ext>
+            </a:extLst>
+          </p:cNvPr>
+          <p:cNvPicPr>
+            <a:picLocks noChangeAspect="1"/>
+          </p:cNvPicPr>
+          <p:nvPr/>
+        </p:nvPicPr>
+        <p:blipFill>
+          <a:blip r:embed="rId3"/>
+          <a:stretch>
+            <a:fillRect/>
+          </a:stretch>
+        </p:blipFill>
+        <p:spPr>
+          <a:xfrm>
+            <a:off x="6162906" y="2664734"/>
+            <a:ext cx="5241663" cy="3071637"/>
+          </a:xfrm>
+          <a:prstGeom prst="rect">
+            <a:avLst/>
+          </a:prstGeom>
+        </p:spPr>
+      </p:pic>
+      <p:pic>
+        <p:nvPicPr>
+          <p:cNvPr id="6" name="Picture 5" descr="Chart, line chart&#10;&#10;Description automatically generated">
+            <a:extLst>
+              <a:ext uri="{FF2B5EF4-FFF2-40B4-BE49-F238E27FC236}">
+                <a16:creationId xmlns:a16="http://schemas.microsoft.com/office/drawing/2014/main" id="{ECE27007-682E-43BA-91E7-86A5E9D3B64F}"/>
+              </a:ext>
+            </a:extLst>
+          </p:cNvPr>
+          <p:cNvPicPr>
+            <a:picLocks noChangeAspect="1"/>
+          </p:cNvPicPr>
+          <p:nvPr/>
+        </p:nvPicPr>
+        <p:blipFill>
+          <a:blip r:embed="rId4"/>
+          <a:stretch>
+            <a:fillRect/>
+          </a:stretch>
+        </p:blipFill>
+        <p:spPr>
+          <a:xfrm>
+            <a:off x="0" y="2433163"/>
+            <a:ext cx="6184994" cy="3202849"/>
+          </a:xfrm>
+          <a:prstGeom prst="rect">
+            <a:avLst/>
+          </a:prstGeom>
+        </p:spPr>
+      </p:pic>
+    </p:spTree>
+    <p:extLst>
+      <p:ext uri="{BB962C8B-B14F-4D97-AF65-F5344CB8AC3E}">
+        <p14:creationId xmlns:p14="http://schemas.microsoft.com/office/powerpoint/2010/main" val="3427087499"/>
+      </p:ext>
+    </p:extLst>
+  </p:cSld>
+  <p:clrMapOvr>
+    <a:masterClrMapping/>
+  </p:clrMapOvr>
+</p:sld>
+</file>
+
+<file path=ppt/slides/slide12.xml><?xml version="1.0" encoding="utf-8"?>
+<p:sld xmlns:a="http://schemas.openxmlformats.org/drawingml/2006/main" xmlns:r="http://schemas.openxmlformats.org/officeDocument/2006/relationships" xmlns:p="http://schemas.openxmlformats.org/presentationml/2006/main">
+  <p:cSld>
+    <p:spTree>
+      <p:nvGrpSpPr>
+        <p:cNvPr id="1" name=""/>
+        <p:cNvGrpSpPr/>
+        <p:nvPr/>
+      </p:nvGrpSpPr>
+      <p:grpSpPr>
+        <a:xfrm>
+          <a:off x="0" y="0"/>
+          <a:ext cx="0" cy="0"/>
+          <a:chOff x="0" y="0"/>
+          <a:chExt cx="0" cy="0"/>
+        </a:xfrm>
+      </p:grpSpPr>
+      <p:sp>
+        <p:nvSpPr>
+          <p:cNvPr id="2" name="Title 1">
+            <a:extLst>
+              <a:ext uri="{FF2B5EF4-FFF2-40B4-BE49-F238E27FC236}">
+                <a16:creationId xmlns:a16="http://schemas.microsoft.com/office/drawing/2014/main" id="{CEC966CE-126E-656B-F2C9-C738AD4F6FA8}"/>
+              </a:ext>
+            </a:extLst>
+          </p:cNvPr>
+          <p:cNvSpPr>
+            <a:spLocks noGrp="1"/>
+          </p:cNvSpPr>
+          <p:nvPr>
+            <p:ph type="title"/>
+          </p:nvPr>
+        </p:nvSpPr>
+        <p:spPr/>
+        <p:txBody>
+          <a:bodyPr/>
+          <a:lstStyle/>
+          <a:p>
+            <a:r>
+              <a:rPr lang="en-US" dirty="0"/>
+              <a:t>ML Models in Over-Sampling</a:t>
+            </a:r>
+          </a:p>
+        </p:txBody>
+      </p:sp>
+      <p:sp>
+        <p:nvSpPr>
+          <p:cNvPr id="3" name="Text Placeholder 2">
+            <a:extLst>
+              <a:ext uri="{FF2B5EF4-FFF2-40B4-BE49-F238E27FC236}">
+                <a16:creationId xmlns:a16="http://schemas.microsoft.com/office/drawing/2014/main" id="{B37E36AB-C8EA-A940-585A-9CE92250D41C}"/>
+              </a:ext>
+            </a:extLst>
+          </p:cNvPr>
+          <p:cNvSpPr>
+            <a:spLocks noGrp="1"/>
+          </p:cNvSpPr>
+          <p:nvPr>
+            <p:ph type="body" idx="1"/>
+          </p:nvPr>
+        </p:nvSpPr>
+        <p:spPr/>
+        <p:txBody>
+          <a:bodyPr/>
+          <a:lstStyle/>
+          <a:p>
+            <a:endParaRPr lang="en-US"/>
+          </a:p>
+        </p:txBody>
+      </p:sp>
+    </p:spTree>
+    <p:extLst>
+      <p:ext uri="{BB962C8B-B14F-4D97-AF65-F5344CB8AC3E}">
+        <p14:creationId xmlns:p14="http://schemas.microsoft.com/office/powerpoint/2010/main" val="1549109437"/>
+      </p:ext>
+    </p:extLst>
+  </p:cSld>
+  <p:clrMapOvr>
+    <a:masterClrMapping/>
+  </p:clrMapOvr>
+</p:sld>
+</file>
+
+<file path=ppt/slides/slide13.xml><?xml version="1.0" encoding="utf-8"?>
+<p:sld xmlns:a="http://schemas.openxmlformats.org/drawingml/2006/main" xmlns:r="http://schemas.openxmlformats.org/officeDocument/2006/relationships" xmlns:p="http://schemas.openxmlformats.org/presentationml/2006/main">
+  <p:cSld>
+    <p:spTree>
+      <p:nvGrpSpPr>
+        <p:cNvPr id="1" name=""/>
+        <p:cNvGrpSpPr/>
+        <p:nvPr/>
+      </p:nvGrpSpPr>
+      <p:grpSpPr>
+        <a:xfrm>
+          <a:off x="0" y="0"/>
+          <a:ext cx="0" cy="0"/>
+          <a:chOff x="0" y="0"/>
+          <a:chExt cx="0" cy="0"/>
+        </a:xfrm>
+      </p:grpSpPr>
+      <p:sp>
+        <p:nvSpPr>
+          <p:cNvPr id="3" name="Title 2">
+            <a:extLst>
+              <a:ext uri="{FF2B5EF4-FFF2-40B4-BE49-F238E27FC236}">
+                <a16:creationId xmlns:a16="http://schemas.microsoft.com/office/drawing/2014/main" id="{871F2B47-952A-C503-0847-BA0A145BB3FE}"/>
+              </a:ext>
+            </a:extLst>
+          </p:cNvPr>
+          <p:cNvSpPr>
+            <a:spLocks noGrp="1"/>
+          </p:cNvSpPr>
+          <p:nvPr>
+            <p:ph type="title"/>
+          </p:nvPr>
+        </p:nvSpPr>
+        <p:spPr/>
+        <p:txBody>
+          <a:bodyPr/>
+          <a:lstStyle/>
+          <a:p>
+            <a:r>
+              <a:rPr lang="en-US" dirty="0">
+                <a:solidFill>
+                  <a:schemeClr val="tx1"/>
+                </a:solidFill>
+              </a:rPr>
+              <a:t>Random Forest Classifier</a:t>
+            </a:r>
+          </a:p>
+        </p:txBody>
+      </p:sp>
+      <p:pic>
+        <p:nvPicPr>
+          <p:cNvPr id="7" name="Picture 6" descr="A screenshot of a computer&#10;&#10;Description automatically generated with low confidence">
+            <a:extLst>
+              <a:ext uri="{FF2B5EF4-FFF2-40B4-BE49-F238E27FC236}">
+                <a16:creationId xmlns:a16="http://schemas.microsoft.com/office/drawing/2014/main" id="{BD1D5756-C3E4-0ED5-EBC2-74D78D8B36C6}"/>
+              </a:ext>
+            </a:extLst>
+          </p:cNvPr>
+          <p:cNvPicPr>
+            <a:picLocks noChangeAspect="1"/>
+          </p:cNvPicPr>
+          <p:nvPr/>
+        </p:nvPicPr>
+        <p:blipFill>
+          <a:blip r:embed="rId2"/>
+          <a:stretch>
+            <a:fillRect/>
+          </a:stretch>
+        </p:blipFill>
+        <p:spPr>
+          <a:xfrm>
+            <a:off x="752057" y="2182464"/>
+            <a:ext cx="4777740" cy="2720340"/>
+          </a:xfrm>
+          <a:prstGeom prst="rect">
+            <a:avLst/>
+          </a:prstGeom>
+        </p:spPr>
+      </p:pic>
+    </p:spTree>
+    <p:extLst>
+      <p:ext uri="{BB962C8B-B14F-4D97-AF65-F5344CB8AC3E}">
+        <p14:creationId xmlns:p14="http://schemas.microsoft.com/office/powerpoint/2010/main" val="1064835730"/>
+      </p:ext>
+    </p:extLst>
+  </p:cSld>
+  <p:clrMapOvr>
+    <a:masterClrMapping/>
+  </p:clrMapOvr>
+</p:sld>
+</file>
+
+<file path=ppt/slides/slide14.xml><?xml version="1.0" encoding="utf-8"?>
+<p:sld xmlns:a="http://schemas.openxmlformats.org/drawingml/2006/main" xmlns:r="http://schemas.openxmlformats.org/officeDocument/2006/relationships" xmlns:p="http://schemas.openxmlformats.org/presentationml/2006/main">
+  <p:cSld>
+    <p:spTree>
+      <p:nvGrpSpPr>
+        <p:cNvPr id="1" name=""/>
+        <p:cNvGrpSpPr/>
+        <p:nvPr/>
+      </p:nvGrpSpPr>
+      <p:grpSpPr>
+        <a:xfrm>
+          <a:off x="0" y="0"/>
+          <a:ext cx="0" cy="0"/>
+          <a:chOff x="0" y="0"/>
+          <a:chExt cx="0" cy="0"/>
+        </a:xfrm>
+      </p:grpSpPr>
+      <p:sp>
+        <p:nvSpPr>
+          <p:cNvPr id="3" name="Title 2">
+            <a:extLst>
+              <a:ext uri="{FF2B5EF4-FFF2-40B4-BE49-F238E27FC236}">
+                <a16:creationId xmlns:a16="http://schemas.microsoft.com/office/drawing/2014/main" id="{CFA19B76-099F-9821-110E-AE530EB8BF3C}"/>
+              </a:ext>
+            </a:extLst>
+          </p:cNvPr>
+          <p:cNvSpPr>
+            <a:spLocks noGrp="1"/>
+          </p:cNvSpPr>
+          <p:nvPr>
+            <p:ph type="title"/>
+          </p:nvPr>
+        </p:nvSpPr>
+        <p:spPr/>
+        <p:txBody>
+          <a:bodyPr/>
+          <a:lstStyle/>
+          <a:p>
+            <a:r>
+              <a:rPr lang="en-US" dirty="0">
+                <a:solidFill>
+                  <a:schemeClr val="tx1"/>
+                </a:solidFill>
+              </a:rPr>
+              <a:t>Logistic Regression</a:t>
+            </a:r>
+          </a:p>
+        </p:txBody>
+      </p:sp>
+      <p:sp>
+        <p:nvSpPr>
+          <p:cNvPr id="6" name="Content Placeholder 5">
+            <a:extLst>
+              <a:ext uri="{FF2B5EF4-FFF2-40B4-BE49-F238E27FC236}">
+                <a16:creationId xmlns:a16="http://schemas.microsoft.com/office/drawing/2014/main" id="{F5796DF9-A2DE-ABC7-DF74-B6157423E2DD}"/>
+              </a:ext>
+            </a:extLst>
+          </p:cNvPr>
+          <p:cNvSpPr>
+            <a:spLocks noGrp="1"/>
+          </p:cNvSpPr>
+          <p:nvPr>
+            <p:ph idx="13"/>
+          </p:nvPr>
+        </p:nvSpPr>
+        <p:spPr/>
+        <p:txBody>
+          <a:bodyPr/>
+          <a:lstStyle/>
+          <a:p>
+            <a:endParaRPr lang="en-US"/>
+          </a:p>
+        </p:txBody>
+      </p:sp>
+    </p:spTree>
+    <p:extLst>
+      <p:ext uri="{BB962C8B-B14F-4D97-AF65-F5344CB8AC3E}">
+        <p14:creationId xmlns:p14="http://schemas.microsoft.com/office/powerpoint/2010/main" val="265548008"/>
+      </p:ext>
+    </p:extLst>
+  </p:cSld>
+  <p:clrMapOvr>
+    <a:masterClrMapping/>
+  </p:clrMapOvr>
+</p:sld>
+</file>
+
+<file path=ppt/slides/slide15.xml><?xml version="1.0" encoding="utf-8"?>
+<p:sld xmlns:a="http://schemas.openxmlformats.org/drawingml/2006/main" xmlns:r="http://schemas.openxmlformats.org/officeDocument/2006/relationships" xmlns:p="http://schemas.openxmlformats.org/presentationml/2006/main">
+  <p:cSld>
+    <p:spTree>
+      <p:nvGrpSpPr>
+        <p:cNvPr id="1" name=""/>
+        <p:cNvGrpSpPr/>
+        <p:nvPr/>
+      </p:nvGrpSpPr>
+      <p:grpSpPr>
+        <a:xfrm>
+          <a:off x="0" y="0"/>
+          <a:ext cx="0" cy="0"/>
+          <a:chOff x="0" y="0"/>
+          <a:chExt cx="0" cy="0"/>
+        </a:xfrm>
+      </p:grpSpPr>
+      <p:sp>
+        <p:nvSpPr>
+          <p:cNvPr id="3" name="Title 2">
+            <a:extLst>
+              <a:ext uri="{FF2B5EF4-FFF2-40B4-BE49-F238E27FC236}">
+                <a16:creationId xmlns:a16="http://schemas.microsoft.com/office/drawing/2014/main" id="{475692B9-20D3-B27F-0B39-461D86278E3F}"/>
+              </a:ext>
+            </a:extLst>
+          </p:cNvPr>
+          <p:cNvSpPr>
+            <a:spLocks noGrp="1"/>
+          </p:cNvSpPr>
+          <p:nvPr>
+            <p:ph type="title"/>
+          </p:nvPr>
+        </p:nvSpPr>
+        <p:spPr/>
+        <p:txBody>
+          <a:bodyPr/>
+          <a:lstStyle/>
+          <a:p>
+            <a:r>
+              <a:rPr lang="en-US" dirty="0">
+                <a:solidFill>
+                  <a:schemeClr val="tx1"/>
+                </a:solidFill>
+              </a:rPr>
+              <a:t>Decision Tree</a:t>
+            </a:r>
+          </a:p>
+        </p:txBody>
+      </p:sp>
+      <p:sp>
+        <p:nvSpPr>
+          <p:cNvPr id="6" name="Content Placeholder 5">
+            <a:extLst>
+              <a:ext uri="{FF2B5EF4-FFF2-40B4-BE49-F238E27FC236}">
+                <a16:creationId xmlns:a16="http://schemas.microsoft.com/office/drawing/2014/main" id="{A650BA39-5CD2-F242-B668-7901B90B7A91}"/>
+              </a:ext>
+            </a:extLst>
+          </p:cNvPr>
+          <p:cNvSpPr>
+            <a:spLocks noGrp="1"/>
+          </p:cNvSpPr>
+          <p:nvPr>
+            <p:ph idx="13"/>
+          </p:nvPr>
+        </p:nvSpPr>
+        <p:spPr/>
+        <p:txBody>
+          <a:bodyPr/>
+          <a:lstStyle/>
+          <a:p>
+            <a:endParaRPr lang="en-US"/>
+          </a:p>
+        </p:txBody>
+      </p:sp>
+    </p:spTree>
+    <p:extLst>
+      <p:ext uri="{BB962C8B-B14F-4D97-AF65-F5344CB8AC3E}">
+        <p14:creationId xmlns:p14="http://schemas.microsoft.com/office/powerpoint/2010/main" val="1836207580"/>
+      </p:ext>
+    </p:extLst>
+  </p:cSld>
+  <p:clrMapOvr>
+    <a:masterClrMapping/>
+  </p:clrMapOvr>
+</p:sld>
+</file>
+
+<file path=ppt/slides/slide16.xml><?xml version="1.0" encoding="utf-8"?>
+<p:sld xmlns:a="http://schemas.openxmlformats.org/drawingml/2006/main" xmlns:r="http://schemas.openxmlformats.org/officeDocument/2006/relationships" xmlns:p="http://schemas.openxmlformats.org/presentationml/2006/main">
+  <p:cSld>
+    <p:spTree>
+      <p:nvGrpSpPr>
+        <p:cNvPr id="1" name=""/>
+        <p:cNvGrpSpPr/>
+        <p:nvPr/>
+      </p:nvGrpSpPr>
+      <p:grpSpPr>
+        <a:xfrm>
+          <a:off x="0" y="0"/>
+          <a:ext cx="0" cy="0"/>
+          <a:chOff x="0" y="0"/>
+          <a:chExt cx="0" cy="0"/>
+        </a:xfrm>
+      </p:grpSpPr>
+      <p:sp>
+        <p:nvSpPr>
+          <p:cNvPr id="3" name="Title 2">
+            <a:extLst>
+              <a:ext uri="{FF2B5EF4-FFF2-40B4-BE49-F238E27FC236}">
+                <a16:creationId xmlns:a16="http://schemas.microsoft.com/office/drawing/2014/main" id="{39FFA98F-AEC6-446D-382E-EA997C5B8954}"/>
+              </a:ext>
+            </a:extLst>
+          </p:cNvPr>
+          <p:cNvSpPr>
+            <a:spLocks noGrp="1"/>
+          </p:cNvSpPr>
+          <p:nvPr>
+            <p:ph type="title"/>
+          </p:nvPr>
+        </p:nvSpPr>
+        <p:spPr>
+          <a:xfrm>
+            <a:off x="1540324" y="734453"/>
+            <a:ext cx="3104346" cy="975070"/>
+          </a:xfrm>
+        </p:spPr>
+        <p:txBody>
+          <a:bodyPr/>
+          <a:lstStyle/>
+          <a:p>
+            <a:r>
+              <a:rPr lang="en-US" dirty="0">
+                <a:solidFill>
+                  <a:schemeClr val="tx1"/>
+                </a:solidFill>
+              </a:rPr>
+              <a:t>KNN Model</a:t>
+            </a:r>
+          </a:p>
+        </p:txBody>
+      </p:sp>
+      <p:sp>
+        <p:nvSpPr>
+          <p:cNvPr id="7" name="Content Placeholder 6">
+            <a:extLst>
+              <a:ext uri="{FF2B5EF4-FFF2-40B4-BE49-F238E27FC236}">
+                <a16:creationId xmlns:a16="http://schemas.microsoft.com/office/drawing/2014/main" id="{A9808FEA-22C8-336B-606D-B1003BBA897E}"/>
+              </a:ext>
+            </a:extLst>
+          </p:cNvPr>
+          <p:cNvSpPr>
+            <a:spLocks noGrp="1"/>
+          </p:cNvSpPr>
+          <p:nvPr>
+            <p:ph idx="13"/>
+          </p:nvPr>
+        </p:nvSpPr>
+        <p:spPr/>
+        <p:txBody>
+          <a:bodyPr/>
+          <a:lstStyle/>
+          <a:p>
+            <a:endParaRPr lang="en-US"/>
+          </a:p>
+        </p:txBody>
+      </p:sp>
+    </p:spTree>
+    <p:extLst>
+      <p:ext uri="{BB962C8B-B14F-4D97-AF65-F5344CB8AC3E}">
+        <p14:creationId xmlns:p14="http://schemas.microsoft.com/office/powerpoint/2010/main" val="2189104112"/>
+      </p:ext>
+    </p:extLst>
+  </p:cSld>
+  <p:clrMapOvr>
+    <a:masterClrMapping/>
+  </p:clrMapOvr>
+</p:sld>
+</file>
+
 <file path=ppt/slides/slide2.xml><?xml version="1.0" encoding="utf-8"?>
 <p:sld xmlns:a="http://schemas.openxmlformats.org/drawingml/2006/main" xmlns:r="http://schemas.openxmlformats.org/officeDocument/2006/relationships" xmlns:p="http://schemas.openxmlformats.org/presentationml/2006/main">
   <p:cSld>
@@ -9033,7 +9765,11 @@
           <a:lstStyle/>
           <a:p>
             <a:r>
-              <a:rPr lang="en-US" dirty="0"/>
+              <a:rPr lang="en-US" dirty="0">
+                <a:solidFill>
+                  <a:schemeClr val="tx1"/>
+                </a:solidFill>
+              </a:rPr>
               <a:t>Random Forest Classifier</a:t>
             </a:r>
           </a:p>
@@ -9041,10 +9777,10 @@
       </p:sp>
       <p:pic>
         <p:nvPicPr>
-          <p:cNvPr id="5" name="Picture 4">
-            <a:extLst>
-              <a:ext uri="{FF2B5EF4-FFF2-40B4-BE49-F238E27FC236}">
-                <a16:creationId xmlns:a16="http://schemas.microsoft.com/office/drawing/2014/main" id="{EEDEDE3F-D6ED-62F4-048E-CB27570B3B50}"/>
+          <p:cNvPr id="6" name="Picture 5" descr="A screenshot of a computer&#10;&#10;Description automatically generated with low confidence">
+            <a:extLst>
+              <a:ext uri="{FF2B5EF4-FFF2-40B4-BE49-F238E27FC236}">
+                <a16:creationId xmlns:a16="http://schemas.microsoft.com/office/drawing/2014/main" id="{2FA29971-F650-8FB9-EBC1-571B6AF860C7}"/>
               </a:ext>
             </a:extLst>
           </p:cNvPr>
@@ -9061,8 +9797,8 @@
         </p:blipFill>
         <p:spPr>
           <a:xfrm>
-            <a:off x="1554666" y="2745988"/>
-            <a:ext cx="3886200" cy="1143000"/>
+            <a:off x="1172923" y="2052138"/>
+            <a:ext cx="4404360" cy="2872740"/>
           </a:xfrm>
           <a:prstGeom prst="rect">
             <a:avLst/>
@@ -9073,6 +9809,130 @@
     <p:extLst>
       <p:ext uri="{BB962C8B-B14F-4D97-AF65-F5344CB8AC3E}">
         <p14:creationId xmlns:p14="http://schemas.microsoft.com/office/powerpoint/2010/main" val="199647969"/>
+      </p:ext>
+    </p:extLst>
+  </p:cSld>
+  <p:clrMapOvr>
+    <a:masterClrMapping/>
+  </p:clrMapOvr>
+</p:sld>
+</file>
+
+<file path=ppt/slides/slide9.xml><?xml version="1.0" encoding="utf-8"?>
+<p:sld xmlns:a="http://schemas.openxmlformats.org/drawingml/2006/main" xmlns:r="http://schemas.openxmlformats.org/officeDocument/2006/relationships" xmlns:p="http://schemas.openxmlformats.org/presentationml/2006/main">
+  <p:cSld>
+    <p:spTree>
+      <p:nvGrpSpPr>
+        <p:cNvPr id="1" name=""/>
+        <p:cNvGrpSpPr/>
+        <p:nvPr/>
+      </p:nvGrpSpPr>
+      <p:grpSpPr>
+        <a:xfrm>
+          <a:off x="0" y="0"/>
+          <a:ext cx="0" cy="0"/>
+          <a:chOff x="0" y="0"/>
+          <a:chExt cx="0" cy="0"/>
+        </a:xfrm>
+      </p:grpSpPr>
+      <p:sp>
+        <p:nvSpPr>
+          <p:cNvPr id="3" name="Title 2">
+            <a:extLst>
+              <a:ext uri="{FF2B5EF4-FFF2-40B4-BE49-F238E27FC236}">
+                <a16:creationId xmlns:a16="http://schemas.microsoft.com/office/drawing/2014/main" id="{CFA19B76-099F-9821-110E-AE530EB8BF3C}"/>
+              </a:ext>
+            </a:extLst>
+          </p:cNvPr>
+          <p:cNvSpPr>
+            <a:spLocks noGrp="1"/>
+          </p:cNvSpPr>
+          <p:nvPr>
+            <p:ph type="title"/>
+          </p:nvPr>
+        </p:nvSpPr>
+        <p:spPr/>
+        <p:txBody>
+          <a:bodyPr/>
+          <a:lstStyle/>
+          <a:p>
+            <a:r>
+              <a:rPr lang="en-US" dirty="0">
+                <a:solidFill>
+                  <a:schemeClr val="tx1"/>
+                </a:solidFill>
+              </a:rPr>
+              <a:t>Logistic Regression</a:t>
+            </a:r>
+          </a:p>
+        </p:txBody>
+      </p:sp>
+      <p:pic>
+        <p:nvPicPr>
+          <p:cNvPr id="4" name="Content Placeholder 3" descr="A picture containing treemap chart&#10;&#10;Description automatically generated">
+            <a:extLst>
+              <a:ext uri="{FF2B5EF4-FFF2-40B4-BE49-F238E27FC236}">
+                <a16:creationId xmlns:a16="http://schemas.microsoft.com/office/drawing/2014/main" id="{83CC4C23-6E88-76CD-BA5F-FA6C3C089A43}"/>
+              </a:ext>
+            </a:extLst>
+          </p:cNvPr>
+          <p:cNvPicPr>
+            <a:picLocks noGrp="1" noChangeAspect="1"/>
+          </p:cNvPicPr>
+          <p:nvPr>
+            <p:ph idx="13"/>
+          </p:nvPr>
+        </p:nvPicPr>
+        <p:blipFill>
+          <a:blip r:embed="rId2"/>
+          <a:stretch>
+            <a:fillRect/>
+          </a:stretch>
+        </p:blipFill>
+        <p:spPr>
+          <a:xfrm>
+            <a:off x="5716299" y="1803322"/>
+            <a:ext cx="5822053" cy="3475038"/>
+          </a:xfrm>
+          <a:prstGeom prst="rect">
+            <a:avLst/>
+          </a:prstGeom>
+        </p:spPr>
+      </p:pic>
+      <p:pic>
+        <p:nvPicPr>
+          <p:cNvPr id="5" name="Picture 4" descr="A screenshot of a computer&#10;&#10;Description automatically generated with low confidence">
+            <a:extLst>
+              <a:ext uri="{FF2B5EF4-FFF2-40B4-BE49-F238E27FC236}">
+                <a16:creationId xmlns:a16="http://schemas.microsoft.com/office/drawing/2014/main" id="{6ADEC8C5-8A20-87AF-0C05-8E6C50F32018}"/>
+              </a:ext>
+            </a:extLst>
+          </p:cNvPr>
+          <p:cNvPicPr>
+            <a:picLocks noChangeAspect="1"/>
+          </p:cNvPicPr>
+          <p:nvPr/>
+        </p:nvPicPr>
+        <p:blipFill>
+          <a:blip r:embed="rId3"/>
+          <a:stretch>
+            <a:fillRect/>
+          </a:stretch>
+        </p:blipFill>
+        <p:spPr>
+          <a:xfrm>
+            <a:off x="653648" y="2108281"/>
+            <a:ext cx="4632960" cy="2865120"/>
+          </a:xfrm>
+          <a:prstGeom prst="rect">
+            <a:avLst/>
+          </a:prstGeom>
+        </p:spPr>
+      </p:pic>
+    </p:spTree>
+    <p:extLst>
+      <p:ext uri="{BB962C8B-B14F-4D97-AF65-F5344CB8AC3E}">
+        <p14:creationId xmlns:p14="http://schemas.microsoft.com/office/powerpoint/2010/main" val="1440357147"/>
       </p:ext>
     </p:extLst>
   </p:cSld>

--- a/Data_Mining_Team5.pptx
+++ b/Data_Mining_Team5.pptx
@@ -8223,6 +8223,36 @@
           </a:prstGeom>
         </p:spPr>
       </p:pic>
+      <p:pic>
+        <p:nvPicPr>
+          <p:cNvPr id="8" name="Picture 7" descr="Graphical user interface, application&#10;&#10;Description automatically generated">
+            <a:extLst>
+              <a:ext uri="{FF2B5EF4-FFF2-40B4-BE49-F238E27FC236}">
+                <a16:creationId xmlns:a16="http://schemas.microsoft.com/office/drawing/2014/main" id="{338B7066-7549-FEA0-EC2E-60B35AC4745F}"/>
+              </a:ext>
+            </a:extLst>
+          </p:cNvPr>
+          <p:cNvPicPr>
+            <a:picLocks noChangeAspect="1"/>
+          </p:cNvPicPr>
+          <p:nvPr/>
+        </p:nvPicPr>
+        <p:blipFill>
+          <a:blip r:embed="rId3"/>
+          <a:stretch>
+            <a:fillRect/>
+          </a:stretch>
+        </p:blipFill>
+        <p:spPr>
+          <a:xfrm>
+            <a:off x="5700131" y="1635760"/>
+            <a:ext cx="5943600" cy="3586480"/>
+          </a:xfrm>
+          <a:prstGeom prst="rect">
+            <a:avLst/>
+          </a:prstGeom>
+        </p:spPr>
+      </p:pic>
     </p:spTree>
     <p:extLst>
       <p:ext uri="{BB962C8B-B14F-4D97-AF65-F5344CB8AC3E}">
@@ -8285,31 +8315,66 @@
           </a:p>
         </p:txBody>
       </p:sp>
-      <p:sp>
-        <p:nvSpPr>
-          <p:cNvPr id="6" name="Content Placeholder 5">
-            <a:extLst>
-              <a:ext uri="{FF2B5EF4-FFF2-40B4-BE49-F238E27FC236}">
-                <a16:creationId xmlns:a16="http://schemas.microsoft.com/office/drawing/2014/main" id="{F5796DF9-A2DE-ABC7-DF74-B6157423E2DD}"/>
-              </a:ext>
-            </a:extLst>
-          </p:cNvPr>
-          <p:cNvSpPr>
-            <a:spLocks noGrp="1"/>
-          </p:cNvSpPr>
-          <p:nvPr>
-            <p:ph idx="13"/>
-          </p:nvPr>
-        </p:nvSpPr>
-        <p:spPr/>
-        <p:txBody>
-          <a:bodyPr/>
-          <a:lstStyle/>
-          <a:p>
-            <a:endParaRPr lang="en-US"/>
-          </a:p>
-        </p:txBody>
-      </p:sp>
+      <p:pic>
+        <p:nvPicPr>
+          <p:cNvPr id="7" name="Picture 6" descr="A screenshot of a computer&#10;&#10;Description automatically generated with low confidence">
+            <a:extLst>
+              <a:ext uri="{FF2B5EF4-FFF2-40B4-BE49-F238E27FC236}">
+                <a16:creationId xmlns:a16="http://schemas.microsoft.com/office/drawing/2014/main" id="{99E140E2-C40F-A120-A45C-801A724BDB2F}"/>
+              </a:ext>
+            </a:extLst>
+          </p:cNvPr>
+          <p:cNvPicPr>
+            <a:picLocks noChangeAspect="1"/>
+          </p:cNvPicPr>
+          <p:nvPr/>
+        </p:nvPicPr>
+        <p:blipFill>
+          <a:blip r:embed="rId2"/>
+          <a:stretch>
+            <a:fillRect/>
+          </a:stretch>
+        </p:blipFill>
+        <p:spPr>
+          <a:xfrm>
+            <a:off x="854337" y="2227642"/>
+            <a:ext cx="4480560" cy="2804160"/>
+          </a:xfrm>
+          <a:prstGeom prst="rect">
+            <a:avLst/>
+          </a:prstGeom>
+        </p:spPr>
+      </p:pic>
+      <p:pic>
+        <p:nvPicPr>
+          <p:cNvPr id="8" name="Picture 7" descr="Graphical user interface&#10;&#10;Description automatically generated">
+            <a:extLst>
+              <a:ext uri="{FF2B5EF4-FFF2-40B4-BE49-F238E27FC236}">
+                <a16:creationId xmlns:a16="http://schemas.microsoft.com/office/drawing/2014/main" id="{EC257829-E07A-F843-3045-8939F01AD37E}"/>
+              </a:ext>
+            </a:extLst>
+          </p:cNvPr>
+          <p:cNvPicPr>
+            <a:picLocks noChangeAspect="1"/>
+          </p:cNvPicPr>
+          <p:nvPr/>
+        </p:nvPicPr>
+        <p:blipFill>
+          <a:blip r:embed="rId3"/>
+          <a:stretch>
+            <a:fillRect/>
+          </a:stretch>
+        </p:blipFill>
+        <p:spPr>
+          <a:xfrm>
+            <a:off x="6096000" y="1768063"/>
+            <a:ext cx="5948681" cy="3419856"/>
+          </a:xfrm>
+          <a:prstGeom prst="rect">
+            <a:avLst/>
+          </a:prstGeom>
+        </p:spPr>
+      </p:pic>
     </p:spTree>
     <p:extLst>
       <p:ext uri="{BB962C8B-B14F-4D97-AF65-F5344CB8AC3E}">
@@ -8372,31 +8437,66 @@
           </a:p>
         </p:txBody>
       </p:sp>
-      <p:sp>
-        <p:nvSpPr>
-          <p:cNvPr id="6" name="Content Placeholder 5">
-            <a:extLst>
-              <a:ext uri="{FF2B5EF4-FFF2-40B4-BE49-F238E27FC236}">
-                <a16:creationId xmlns:a16="http://schemas.microsoft.com/office/drawing/2014/main" id="{A650BA39-5CD2-F242-B668-7901B90B7A91}"/>
-              </a:ext>
-            </a:extLst>
-          </p:cNvPr>
-          <p:cNvSpPr>
-            <a:spLocks noGrp="1"/>
-          </p:cNvSpPr>
-          <p:nvPr>
-            <p:ph idx="13"/>
-          </p:nvPr>
-        </p:nvSpPr>
-        <p:spPr/>
-        <p:txBody>
-          <a:bodyPr/>
-          <a:lstStyle/>
-          <a:p>
-            <a:endParaRPr lang="en-US"/>
-          </a:p>
-        </p:txBody>
-      </p:sp>
+      <p:pic>
+        <p:nvPicPr>
+          <p:cNvPr id="7" name="Picture 6" descr="A picture containing text, receipt, screenshot&#10;&#10;Description automatically generated">
+            <a:extLst>
+              <a:ext uri="{FF2B5EF4-FFF2-40B4-BE49-F238E27FC236}">
+                <a16:creationId xmlns:a16="http://schemas.microsoft.com/office/drawing/2014/main" id="{4CC96A52-8677-F1B8-1BA9-3DA82B729D3D}"/>
+              </a:ext>
+            </a:extLst>
+          </p:cNvPr>
+          <p:cNvPicPr>
+            <a:picLocks noChangeAspect="1"/>
+          </p:cNvPicPr>
+          <p:nvPr/>
+        </p:nvPicPr>
+        <p:blipFill>
+          <a:blip r:embed="rId2"/>
+          <a:stretch>
+            <a:fillRect/>
+          </a:stretch>
+        </p:blipFill>
+        <p:spPr>
+          <a:xfrm>
+            <a:off x="775009" y="2030730"/>
+            <a:ext cx="4419600" cy="2796540"/>
+          </a:xfrm>
+          <a:prstGeom prst="rect">
+            <a:avLst/>
+          </a:prstGeom>
+        </p:spPr>
+      </p:pic>
+      <p:pic>
+        <p:nvPicPr>
+          <p:cNvPr id="8" name="Picture 7" descr="Graphical user interface, application&#10;&#10;Description automatically generated">
+            <a:extLst>
+              <a:ext uri="{FF2B5EF4-FFF2-40B4-BE49-F238E27FC236}">
+                <a16:creationId xmlns:a16="http://schemas.microsoft.com/office/drawing/2014/main" id="{F1ABA1A0-B68B-2C23-59AF-9752715B1B21}"/>
+              </a:ext>
+            </a:extLst>
+          </p:cNvPr>
+          <p:cNvPicPr>
+            <a:picLocks noChangeAspect="1"/>
+          </p:cNvPicPr>
+          <p:nvPr/>
+        </p:nvPicPr>
+        <p:blipFill>
+          <a:blip r:embed="rId3"/>
+          <a:stretch>
+            <a:fillRect/>
+          </a:stretch>
+        </p:blipFill>
+        <p:spPr>
+          <a:xfrm>
+            <a:off x="5856249" y="1363980"/>
+            <a:ext cx="5943600" cy="3463290"/>
+          </a:xfrm>
+          <a:prstGeom prst="rect">
+            <a:avLst/>
+          </a:prstGeom>
+        </p:spPr>
+      </p:pic>
     </p:spTree>
     <p:extLst>
       <p:ext uri="{BB962C8B-B14F-4D97-AF65-F5344CB8AC3E}">
@@ -8464,31 +8564,36 @@
           </a:p>
         </p:txBody>
       </p:sp>
-      <p:sp>
-        <p:nvSpPr>
-          <p:cNvPr id="7" name="Content Placeholder 6">
-            <a:extLst>
-              <a:ext uri="{FF2B5EF4-FFF2-40B4-BE49-F238E27FC236}">
-                <a16:creationId xmlns:a16="http://schemas.microsoft.com/office/drawing/2014/main" id="{A9808FEA-22C8-336B-606D-B1003BBA897E}"/>
-              </a:ext>
-            </a:extLst>
-          </p:cNvPr>
-          <p:cNvSpPr>
-            <a:spLocks noGrp="1"/>
-          </p:cNvSpPr>
-          <p:nvPr>
-            <p:ph idx="13"/>
-          </p:nvPr>
-        </p:nvSpPr>
-        <p:spPr/>
-        <p:txBody>
-          <a:bodyPr/>
-          <a:lstStyle/>
-          <a:p>
-            <a:endParaRPr lang="en-US"/>
-          </a:p>
-        </p:txBody>
-      </p:sp>
+      <p:pic>
+        <p:nvPicPr>
+          <p:cNvPr id="8" name="Picture 7" descr="Chart, line chart&#10;&#10;Description automatically generated">
+            <a:extLst>
+              <a:ext uri="{FF2B5EF4-FFF2-40B4-BE49-F238E27FC236}">
+                <a16:creationId xmlns:a16="http://schemas.microsoft.com/office/drawing/2014/main" id="{AB746098-FB53-9CC0-8468-32E0C4DA3EED}"/>
+              </a:ext>
+            </a:extLst>
+          </p:cNvPr>
+          <p:cNvPicPr>
+            <a:picLocks noChangeAspect="1"/>
+          </p:cNvPicPr>
+          <p:nvPr/>
+        </p:nvPicPr>
+        <p:blipFill>
+          <a:blip r:embed="rId2"/>
+          <a:stretch>
+            <a:fillRect/>
+          </a:stretch>
+        </p:blipFill>
+        <p:spPr>
+          <a:xfrm>
+            <a:off x="120697" y="1899285"/>
+            <a:ext cx="5943600" cy="3059430"/>
+          </a:xfrm>
+          <a:prstGeom prst="rect">
+            <a:avLst/>
+          </a:prstGeom>
+        </p:spPr>
+      </p:pic>
     </p:spTree>
     <p:extLst>
       <p:ext uri="{BB962C8B-B14F-4D97-AF65-F5344CB8AC3E}">

--- a/Data_Mining_Team5.pptx
+++ b/Data_Mining_Team5.pptx
@@ -8588,6 +8588,66 @@
           <a:xfrm>
             <a:off x="120697" y="1899285"/>
             <a:ext cx="5943600" cy="3059430"/>
+          </a:xfrm>
+          <a:prstGeom prst="rect">
+            <a:avLst/>
+          </a:prstGeom>
+        </p:spPr>
+      </p:pic>
+      <p:pic>
+        <p:nvPicPr>
+          <p:cNvPr id="9" name="Picture 8">
+            <a:extLst>
+              <a:ext uri="{FF2B5EF4-FFF2-40B4-BE49-F238E27FC236}">
+                <a16:creationId xmlns:a16="http://schemas.microsoft.com/office/drawing/2014/main" id="{C9324D4B-993E-53E5-65DA-4B73CA80BE67}"/>
+              </a:ext>
+            </a:extLst>
+          </p:cNvPr>
+          <p:cNvPicPr>
+            <a:picLocks noChangeAspect="1"/>
+          </p:cNvPicPr>
+          <p:nvPr/>
+        </p:nvPicPr>
+        <p:blipFill>
+          <a:blip r:embed="rId3"/>
+          <a:stretch>
+            <a:fillRect/>
+          </a:stretch>
+        </p:blipFill>
+        <p:spPr>
+          <a:xfrm>
+            <a:off x="7514654" y="157836"/>
+            <a:ext cx="3921512" cy="2652788"/>
+          </a:xfrm>
+          <a:prstGeom prst="rect">
+            <a:avLst/>
+          </a:prstGeom>
+        </p:spPr>
+      </p:pic>
+      <p:pic>
+        <p:nvPicPr>
+          <p:cNvPr id="10" name="Picture 9">
+            <a:extLst>
+              <a:ext uri="{FF2B5EF4-FFF2-40B4-BE49-F238E27FC236}">
+                <a16:creationId xmlns:a16="http://schemas.microsoft.com/office/drawing/2014/main" id="{04627522-FEBF-7272-9ED9-835778DDE11D}"/>
+              </a:ext>
+            </a:extLst>
+          </p:cNvPr>
+          <p:cNvPicPr>
+            <a:picLocks noChangeAspect="1"/>
+          </p:cNvPicPr>
+          <p:nvPr/>
+        </p:nvPicPr>
+        <p:blipFill>
+          <a:blip r:embed="rId4"/>
+          <a:stretch>
+            <a:fillRect/>
+          </a:stretch>
+        </p:blipFill>
+        <p:spPr>
+          <a:xfrm>
+            <a:off x="7063192" y="2866825"/>
+            <a:ext cx="4680280" cy="2737522"/>
           </a:xfrm>
           <a:prstGeom prst="rect">
             <a:avLst/>

--- a/Data_Mining_Team5.pptx
+++ b/Data_Mining_Team5.pptx
@@ -7,22 +7,26 @@
     <p:sldMasterId id="2147483704" r:id="rId3"/>
   </p:sldMasterIdLst>
   <p:sldIdLst>
-    <p:sldId id="256" r:id="rId4"/>
-    <p:sldId id="257" r:id="rId5"/>
-    <p:sldId id="258" r:id="rId6"/>
-    <p:sldId id="259" r:id="rId7"/>
-    <p:sldId id="260" r:id="rId8"/>
-    <p:sldId id="261" r:id="rId9"/>
-    <p:sldId id="263" r:id="rId10"/>
-    <p:sldId id="262" r:id="rId11"/>
-    <p:sldId id="264" r:id="rId12"/>
-    <p:sldId id="265" r:id="rId13"/>
-    <p:sldId id="266" r:id="rId14"/>
-    <p:sldId id="267" r:id="rId15"/>
-    <p:sldId id="269" r:id="rId16"/>
-    <p:sldId id="270" r:id="rId17"/>
-    <p:sldId id="271" r:id="rId18"/>
-    <p:sldId id="272" r:id="rId19"/>
+    <p:sldId id="276" r:id="rId4"/>
+    <p:sldId id="277" r:id="rId5"/>
+    <p:sldId id="257" r:id="rId6"/>
+    <p:sldId id="258" r:id="rId7"/>
+    <p:sldId id="259" r:id="rId8"/>
+    <p:sldId id="260" r:id="rId9"/>
+    <p:sldId id="261" r:id="rId10"/>
+    <p:sldId id="263" r:id="rId11"/>
+    <p:sldId id="262" r:id="rId12"/>
+    <p:sldId id="264" r:id="rId13"/>
+    <p:sldId id="265" r:id="rId14"/>
+    <p:sldId id="266" r:id="rId15"/>
+    <p:sldId id="267" r:id="rId16"/>
+    <p:sldId id="269" r:id="rId17"/>
+    <p:sldId id="270" r:id="rId18"/>
+    <p:sldId id="271" r:id="rId19"/>
+    <p:sldId id="272" r:id="rId20"/>
+    <p:sldId id="278" r:id="rId21"/>
+    <p:sldId id="273" r:id="rId22"/>
+    <p:sldId id="274" r:id="rId23"/>
   </p:sldIdLst>
   <p:sldSz cx="12192000" cy="6858000"/>
   <p:notesSz cx="6858000" cy="9144000"/>
@@ -122,6 +126,50 @@
     </a:lvl9pPr>
   </p:defaultTextStyle>
   <p:extLst>
+    <p:ext uri="{521415D9-36F7-43E2-AB2F-B90AF26B5E84}">
+      <p14:sectionLst xmlns:p14="http://schemas.microsoft.com/office/powerpoint/2010/main">
+        <p14:section name="Summary Section" id="{8E44126E-9C9B-3F49-A674-C704345E515A}">
+          <p14:sldIdLst>
+            <p14:sldId id="276"/>
+          </p14:sldIdLst>
+        </p14:section>
+        <p14:section name="Credit Card Fraud Detection" id="{50B3C9C2-D51D-DD40-A626-3FAB56B928BD}">
+          <p14:sldIdLst>
+            <p14:sldId id="277"/>
+            <p14:sldId id="257"/>
+            <p14:sldId id="258"/>
+            <p14:sldId id="259"/>
+            <p14:sldId id="260"/>
+            <p14:sldId id="261"/>
+          </p14:sldIdLst>
+        </p14:section>
+        <p14:section name="ML Models in Under-Sampling" id="{B5908BCE-45FE-084D-888F-EDCBE7E687C9}">
+          <p14:sldIdLst>
+            <p14:sldId id="263"/>
+            <p14:sldId id="262"/>
+            <p14:sldId id="264"/>
+            <p14:sldId id="265"/>
+            <p14:sldId id="266"/>
+          </p14:sldIdLst>
+        </p14:section>
+        <p14:section name="ML Models in Over-Sampling" id="{D88B4C56-F52D-2342-A188-69FD4DAA8047}">
+          <p14:sldIdLst>
+            <p14:sldId id="267"/>
+            <p14:sldId id="269"/>
+            <p14:sldId id="270"/>
+            <p14:sldId id="271"/>
+            <p14:sldId id="272"/>
+          </p14:sldIdLst>
+        </p14:section>
+        <p14:section name="CONCLUSION" id="{B9E36CD9-1BE9-6B45-8054-215D7FF9DB71}">
+          <p14:sldIdLst>
+            <p14:sldId id="278"/>
+            <p14:sldId id="273"/>
+            <p14:sldId id="274"/>
+          </p14:sldIdLst>
+        </p14:section>
+      </p14:sectionLst>
+    </p:ext>
     <p:ext uri="{EFAFB233-063F-42B5-8137-9DF3F51BA10A}">
       <p15:sldGuideLst xmlns:p15="http://schemas.microsoft.com/office/powerpoint/2012/main"/>
     </p:ext>
@@ -7627,7 +7675,7 @@
           <p:cNvPr id="2" name="Title 1">
             <a:extLst>
               <a:ext uri="{FF2B5EF4-FFF2-40B4-BE49-F238E27FC236}">
-                <a16:creationId xmlns:a16="http://schemas.microsoft.com/office/drawing/2014/main" id="{9A8437BA-2E84-3549-8B00-4D6E2E7C8053}"/>
+                <a16:creationId xmlns:a16="http://schemas.microsoft.com/office/drawing/2014/main" id="{41B397D5-135D-7FFA-73E8-402BD36CDB25}"/>
               </a:ext>
             </a:extLst>
           </p:cNvPr>
@@ -7638,12 +7686,7 @@
             <p:ph type="ctrTitle"/>
           </p:nvPr>
         </p:nvSpPr>
-        <p:spPr>
-          <a:xfrm>
-            <a:off x="2292060" y="3429000"/>
-            <a:ext cx="8389575" cy="728307"/>
-          </a:xfrm>
-        </p:spPr>
+        <p:spPr/>
         <p:txBody>
           <a:bodyPr/>
           <a:lstStyle/>
@@ -7655,42 +7698,44 @@
               </a:rPr>
               <a:t>Credit Card Fraud Detection</a:t>
             </a:r>
-            <a:endParaRPr lang="en-US" dirty="0">
-              <a:effectLst/>
-              <a:latin typeface="Helvetica" pitchFamily="2" charset="0"/>
-            </a:endParaRPr>
+            <a:endParaRPr lang="en-US" dirty="0"/>
           </a:p>
         </p:txBody>
       </p:sp>
       <p:sp>
         <p:nvSpPr>
-          <p:cNvPr id="3" name="Subtitle 2">
-            <a:extLst>
-              <a:ext uri="{FF2B5EF4-FFF2-40B4-BE49-F238E27FC236}">
-                <a16:creationId xmlns:a16="http://schemas.microsoft.com/office/drawing/2014/main" id="{D04025FF-B551-7A4B-9349-720975BC8529}"/>
-              </a:ext>
-            </a:extLst>
-          </p:cNvPr>
-          <p:cNvSpPr>
-            <a:spLocks noGrp="1"/>
-          </p:cNvSpPr>
-          <p:nvPr>
-            <p:ph type="subTitle" idx="1"/>
-          </p:nvPr>
+          <p:cNvPr id="6" name="TextBox 5">
+            <a:extLst>
+              <a:ext uri="{FF2B5EF4-FFF2-40B4-BE49-F238E27FC236}">
+                <a16:creationId xmlns:a16="http://schemas.microsoft.com/office/drawing/2014/main" id="{F46A6DCA-3573-9D40-564D-5D9001F357F7}"/>
+              </a:ext>
+            </a:extLst>
+          </p:cNvPr>
+          <p:cNvSpPr txBox="1"/>
+          <p:nvPr/>
         </p:nvSpPr>
         <p:spPr>
           <a:xfrm>
-            <a:off x="1712197" y="4348400"/>
-            <a:ext cx="8389575" cy="1752600"/>
-          </a:xfrm>
+            <a:off x="3150704" y="1715668"/>
+            <a:ext cx="6348982" cy="923330"/>
+          </a:xfrm>
+          <a:prstGeom prst="rect">
+            <a:avLst/>
+          </a:prstGeom>
+          <a:noFill/>
         </p:spPr>
         <p:txBody>
-          <a:bodyPr/>
+          <a:bodyPr wrap="none" rtlCol="0">
+            <a:spAutoFit/>
+          </a:bodyPr>
           <a:lstStyle/>
           <a:p>
             <a:pPr algn="ctr"/>
             <a:r>
               <a:rPr lang="en-US" b="1" i="1" dirty="0">
+                <a:solidFill>
+                  <a:schemeClr val="bg1"/>
+                </a:solidFill>
                 <a:effectLst/>
                 <a:latin typeface="Helvetica" pitchFamily="2" charset="0"/>
               </a:rPr>
@@ -7700,75 +7745,387 @@
           <a:p>
             <a:pPr algn="ctr"/>
             <a:r>
-              <a:rPr lang="en-US" sz="2000" i="1" dirty="0">
+              <a:rPr lang="en-US" sz="1800" i="1" dirty="0">
+                <a:solidFill>
+                  <a:schemeClr val="bg1"/>
+                </a:solidFill>
                 <a:effectLst/>
                 <a:latin typeface="Helvetica" pitchFamily="2" charset="0"/>
               </a:rPr>
               <a:t>Aveline </a:t>
             </a:r>
             <a:r>
-              <a:rPr lang="en-US" sz="2000" i="1" dirty="0" err="1">
+              <a:rPr lang="en-US" sz="1800" i="1" dirty="0" err="1">
+                <a:solidFill>
+                  <a:schemeClr val="bg1"/>
+                </a:solidFill>
                 <a:effectLst/>
                 <a:latin typeface="Helvetica" pitchFamily="2" charset="0"/>
               </a:rPr>
               <a:t>Mariya</a:t>
             </a:r>
             <a:r>
-              <a:rPr lang="en-US" sz="2000" i="1" dirty="0">
+              <a:rPr lang="en-US" sz="1800" i="1" dirty="0">
+                <a:solidFill>
+                  <a:schemeClr val="bg1"/>
+                </a:solidFill>
                 <a:effectLst/>
                 <a:latin typeface="Helvetica" pitchFamily="2" charset="0"/>
               </a:rPr>
               <a:t> </a:t>
             </a:r>
             <a:r>
-              <a:rPr lang="en-US" sz="2000" i="1" dirty="0" err="1">
+              <a:rPr lang="en-US" sz="1800" i="1" dirty="0" err="1">
+                <a:solidFill>
+                  <a:schemeClr val="bg1"/>
+                </a:solidFill>
                 <a:effectLst/>
                 <a:latin typeface="Helvetica" pitchFamily="2" charset="0"/>
               </a:rPr>
               <a:t>Shaji</a:t>
             </a:r>
             <a:r>
-              <a:rPr lang="en-US" sz="2000" i="1" dirty="0">
+              <a:rPr lang="en-US" sz="1800" i="1" dirty="0">
+                <a:solidFill>
+                  <a:schemeClr val="bg1"/>
+                </a:solidFill>
                 <a:effectLst/>
                 <a:latin typeface="Helvetica" pitchFamily="2" charset="0"/>
               </a:rPr>
               <a:t>, </a:t>
             </a:r>
             <a:r>
-              <a:rPr lang="en-US" sz="2000" i="1" dirty="0" err="1">
+              <a:rPr lang="en-US" sz="1800" i="1" dirty="0" err="1">
+                <a:solidFill>
+                  <a:schemeClr val="bg1"/>
+                </a:solidFill>
                 <a:effectLst/>
                 <a:latin typeface="Helvetica" pitchFamily="2" charset="0"/>
               </a:rPr>
               <a:t>Kyuri</a:t>
             </a:r>
             <a:r>
-              <a:rPr lang="en-US" sz="2000" i="1" dirty="0">
+              <a:rPr lang="en-US" sz="1800" i="1" dirty="0">
+                <a:solidFill>
+                  <a:schemeClr val="bg1"/>
+                </a:solidFill>
                 <a:effectLst/>
                 <a:latin typeface="Helvetica" pitchFamily="2" charset="0"/>
               </a:rPr>
               <a:t> Kim, Satya Bharath Reddy </a:t>
             </a:r>
             <a:r>
-              <a:rPr lang="en-US" sz="2000" i="1" dirty="0" err="1">
+              <a:rPr lang="en-US" sz="1800" i="1" dirty="0" err="1">
+                <a:solidFill>
+                  <a:schemeClr val="bg1"/>
+                </a:solidFill>
                 <a:effectLst/>
                 <a:latin typeface="Helvetica" pitchFamily="2" charset="0"/>
               </a:rPr>
               <a:t>Duvvi</a:t>
             </a:r>
-            <a:endParaRPr lang="en-US" sz="2000" dirty="0">
+            <a:endParaRPr lang="en-US" sz="1800" dirty="0">
+              <a:solidFill>
+                <a:schemeClr val="bg1"/>
+              </a:solidFill>
               <a:effectLst/>
               <a:latin typeface="Helvetica" pitchFamily="2" charset="0"/>
             </a:endParaRPr>
           </a:p>
           <a:p>
-            <a:endParaRPr lang="en-US" dirty="0"/>
+            <a:endParaRPr lang="en-US" dirty="0">
+              <a:solidFill>
+                <a:schemeClr val="bg1"/>
+              </a:solidFill>
+            </a:endParaRPr>
           </a:p>
         </p:txBody>
       </p:sp>
+      <mc:AlternateContent xmlns:mc="http://schemas.openxmlformats.org/markup-compatibility/2006">
+        <mc:Choice xmlns:psuz="http://schemas.microsoft.com/office/powerpoint/2016/summaryzoom" Requires="psuz">
+          <p:graphicFrame>
+            <p:nvGraphicFramePr>
+              <p:cNvPr id="8" name="Summary Zoom 7">
+                <a:extLst>
+                  <a:ext uri="{FF2B5EF4-FFF2-40B4-BE49-F238E27FC236}">
+                    <a16:creationId xmlns:a16="http://schemas.microsoft.com/office/drawing/2014/main" id="{B26E1750-A2F1-5206-6DBC-169793C752D7}"/>
+                  </a:ext>
+                </a:extLst>
+              </p:cNvPr>
+              <p:cNvGraphicFramePr>
+                <a:graphicFrameLocks noChangeAspect="1"/>
+              </p:cNvGraphicFramePr>
+              <p:nvPr>
+                <p:extLst>
+                  <p:ext uri="{D42A27DB-BD31-4B8C-83A1-F6EECF244321}">
+                    <p14:modId xmlns:p14="http://schemas.microsoft.com/office/powerpoint/2010/main" val="1721541278"/>
+                  </p:ext>
+                </p:extLst>
+              </p:nvPr>
+            </p:nvGraphicFramePr>
+            <p:xfrm>
+              <a:off x="-1996440" y="3044825"/>
+              <a:ext cx="10515600" cy="3475038"/>
+            </p:xfrm>
+            <a:graphic>
+              <a:graphicData uri="http://schemas.microsoft.com/office/powerpoint/2016/summaryzoom">
+                <psuz:summaryZm>
+                  <psuz:summaryZmObj sectionId="{50B3C9C2-D51D-DD40-A626-3FAB56B928BD}">
+                    <psuz:zmPr id="{B2D025A6-BC43-064E-9F51-A793C2804B2E}" transitionDur="1000">
+                      <p166:blipFill xmlns:p166="http://schemas.microsoft.com/office/powerpoint/2016/6/main">
+                        <a:blip r:embed="rId2"/>
+                        <a:stretch>
+                          <a:fillRect/>
+                        </a:stretch>
+                      </p166:blipFill>
+                      <p166:spPr xmlns:p166="http://schemas.microsoft.com/office/powerpoint/2016/6/main">
+                        <a:xfrm>
+                          <a:off x="2425644" y="121626"/>
+                          <a:ext cx="2780030" cy="1563767"/>
+                        </a:xfrm>
+                        <a:prstGeom prst="rect">
+                          <a:avLst/>
+                        </a:prstGeom>
+                        <a:ln w="3175">
+                          <a:solidFill>
+                            <a:prstClr val="ltGray"/>
+                          </a:solidFill>
+                        </a:ln>
+                      </p166:spPr>
+                    </psuz:zmPr>
+                  </psuz:summaryZmObj>
+                  <psuz:summaryZmObj sectionId="{B5908BCE-45FE-084D-888F-EDCBE7E687C9}">
+                    <psuz:zmPr id="{8D1B3CFF-32D1-3B48-BDF6-685264AD38EE}" transitionDur="1000">
+                      <p166:blipFill xmlns:p166="http://schemas.microsoft.com/office/powerpoint/2016/6/main">
+                        <a:blip r:embed="rId3"/>
+                        <a:stretch>
+                          <a:fillRect/>
+                        </a:stretch>
+                      </p166:blipFill>
+                      <p166:spPr xmlns:p166="http://schemas.microsoft.com/office/powerpoint/2016/6/main">
+                        <a:xfrm>
+                          <a:off x="5309925" y="121626"/>
+                          <a:ext cx="2780030" cy="1563767"/>
+                        </a:xfrm>
+                        <a:prstGeom prst="rect">
+                          <a:avLst/>
+                        </a:prstGeom>
+                        <a:ln w="3175">
+                          <a:solidFill>
+                            <a:prstClr val="ltGray"/>
+                          </a:solidFill>
+                        </a:ln>
+                      </p166:spPr>
+                    </psuz:zmPr>
+                  </psuz:summaryZmObj>
+                  <psuz:summaryZmObj sectionId="{D88B4C56-F52D-2342-A188-69FD4DAA8047}">
+                    <psuz:zmPr id="{95F8A3D8-1037-5141-8606-37B614FB3115}" transitionDur="1000">
+                      <p166:blipFill xmlns:p166="http://schemas.microsoft.com/office/powerpoint/2016/6/main">
+                        <a:blip r:embed="rId4"/>
+                        <a:stretch>
+                          <a:fillRect/>
+                        </a:stretch>
+                      </p166:blipFill>
+                      <p166:spPr xmlns:p166="http://schemas.microsoft.com/office/powerpoint/2016/6/main">
+                        <a:xfrm>
+                          <a:off x="2425644" y="1789644"/>
+                          <a:ext cx="2780030" cy="1563767"/>
+                        </a:xfrm>
+                        <a:prstGeom prst="rect">
+                          <a:avLst/>
+                        </a:prstGeom>
+                        <a:ln w="3175">
+                          <a:solidFill>
+                            <a:prstClr val="ltGray"/>
+                          </a:solidFill>
+                        </a:ln>
+                      </p166:spPr>
+                    </psuz:zmPr>
+                  </psuz:summaryZmObj>
+                  <psuz:summaryZmObj sectionId="{B9E36CD9-1BE9-6B45-8054-215D7FF9DB71}">
+                    <psuz:zmPr id="{24DA28B6-BE50-C446-B775-814052BAB7FE}" transitionDur="1000">
+                      <p166:blipFill xmlns:p166="http://schemas.microsoft.com/office/powerpoint/2016/6/main">
+                        <a:blip r:embed="rId5"/>
+                        <a:stretch>
+                          <a:fillRect/>
+                        </a:stretch>
+                      </p166:blipFill>
+                      <p166:spPr xmlns:p166="http://schemas.microsoft.com/office/powerpoint/2016/6/main">
+                        <a:xfrm>
+                          <a:off x="5309925" y="1789644"/>
+                          <a:ext cx="2780030" cy="1563767"/>
+                        </a:xfrm>
+                        <a:prstGeom prst="rect">
+                          <a:avLst/>
+                        </a:prstGeom>
+                        <a:ln w="3175">
+                          <a:solidFill>
+                            <a:prstClr val="ltGray"/>
+                          </a:solidFill>
+                        </a:ln>
+                      </p166:spPr>
+                    </psuz:zmPr>
+                  </psuz:summaryZmObj>
+                  <psuz:gridLayout/>
+                </psuz:summaryZm>
+              </a:graphicData>
+            </a:graphic>
+          </p:graphicFrame>
+        </mc:Choice>
+        <mc:Fallback>
+          <p:grpSp>
+            <p:nvGrpSpPr>
+              <p:cNvPr id="8" name="Summary Zoom 7">
+                <a:extLst>
+                  <a:ext uri="{FF2B5EF4-FFF2-40B4-BE49-F238E27FC236}">
+                    <a16:creationId xmlns:a16="http://schemas.microsoft.com/office/drawing/2014/main" id="{B26E1750-A2F1-5206-6DBC-169793C752D7}"/>
+                  </a:ext>
+                </a:extLst>
+              </p:cNvPr>
+              <p:cNvGrpSpPr>
+                <a:grpSpLocks noGrp="1" noUngrp="1" noRot="1" noChangeAspect="1" noMove="1" noResize="1"/>
+              </p:cNvGrpSpPr>
+              <p:nvPr/>
+            </p:nvGrpSpPr>
+            <p:grpSpPr>
+              <a:xfrm>
+                <a:off x="-1996440" y="3044825"/>
+                <a:ext cx="10515600" cy="3475038"/>
+                <a:chOff x="-1996440" y="3044825"/>
+                <a:chExt cx="10515600" cy="3475038"/>
+              </a:xfrm>
+            </p:grpSpPr>
+            <p:pic>
+              <p:nvPicPr>
+                <p:cNvPr id="9" name="Picture 9">
+                  <a:hlinkClick r:id="rId6" action="ppaction://hlinksldjump"/>
+                </p:cNvPr>
+                <p:cNvPicPr>
+                  <a:picLocks noSelect="1" noRot="1" noChangeAspect="1" noMove="1" noResize="1" noEditPoints="1" noAdjustHandles="1" noChangeArrowheads="1" noChangeShapeType="1"/>
+                </p:cNvPicPr>
+                <p:nvPr/>
+              </p:nvPicPr>
+              <p:blipFill>
+                <a:blip r:embed="rId2"/>
+                <a:stretch>
+                  <a:fillRect/>
+                </a:stretch>
+              </p:blipFill>
+              <p:spPr>
+                <a:xfrm>
+                  <a:off x="429204" y="3166451"/>
+                  <a:ext cx="2780030" cy="1563767"/>
+                </a:xfrm>
+                <a:prstGeom prst="rect">
+                  <a:avLst/>
+                </a:prstGeom>
+                <a:ln w="3175">
+                  <a:solidFill>
+                    <a:prstClr val="ltGray"/>
+                  </a:solidFill>
+                </a:ln>
+              </p:spPr>
+            </p:pic>
+            <p:pic>
+              <p:nvPicPr>
+                <p:cNvPr id="10" name="Picture 10">
+                  <a:hlinkClick r:id="rId7" action="ppaction://hlinksldjump"/>
+                </p:cNvPr>
+                <p:cNvPicPr>
+                  <a:picLocks noSelect="1" noRot="1" noChangeAspect="1" noMove="1" noResize="1" noEditPoints="1" noAdjustHandles="1" noChangeArrowheads="1" noChangeShapeType="1"/>
+                </p:cNvPicPr>
+                <p:nvPr/>
+              </p:nvPicPr>
+              <p:blipFill>
+                <a:blip r:embed="rId3"/>
+                <a:stretch>
+                  <a:fillRect/>
+                </a:stretch>
+              </p:blipFill>
+              <p:spPr>
+                <a:xfrm>
+                  <a:off x="3313485" y="3166451"/>
+                  <a:ext cx="2780030" cy="1563767"/>
+                </a:xfrm>
+                <a:prstGeom prst="rect">
+                  <a:avLst/>
+                </a:prstGeom>
+                <a:ln w="3175">
+                  <a:solidFill>
+                    <a:prstClr val="ltGray"/>
+                  </a:solidFill>
+                </a:ln>
+              </p:spPr>
+            </p:pic>
+            <p:pic>
+              <p:nvPicPr>
+                <p:cNvPr id="11" name="Picture 11">
+                  <a:hlinkClick r:id="rId8" action="ppaction://hlinksldjump"/>
+                </p:cNvPr>
+                <p:cNvPicPr>
+                  <a:picLocks noSelect="1" noRot="1" noChangeAspect="1" noMove="1" noResize="1" noEditPoints="1" noAdjustHandles="1" noChangeArrowheads="1" noChangeShapeType="1"/>
+                </p:cNvPicPr>
+                <p:nvPr/>
+              </p:nvPicPr>
+              <p:blipFill>
+                <a:blip r:embed="rId4"/>
+                <a:stretch>
+                  <a:fillRect/>
+                </a:stretch>
+              </p:blipFill>
+              <p:spPr>
+                <a:xfrm>
+                  <a:off x="429204" y="4834469"/>
+                  <a:ext cx="2780030" cy="1563767"/>
+                </a:xfrm>
+                <a:prstGeom prst="rect">
+                  <a:avLst/>
+                </a:prstGeom>
+                <a:ln w="3175">
+                  <a:solidFill>
+                    <a:prstClr val="ltGray"/>
+                  </a:solidFill>
+                </a:ln>
+              </p:spPr>
+            </p:pic>
+            <p:pic>
+              <p:nvPicPr>
+                <p:cNvPr id="12" name="Picture 12">
+                  <a:hlinkClick r:id="rId9" action="ppaction://hlinksldjump"/>
+                </p:cNvPr>
+                <p:cNvPicPr>
+                  <a:picLocks noSelect="1" noRot="1" noChangeAspect="1" noMove="1" noResize="1" noEditPoints="1" noAdjustHandles="1" noChangeArrowheads="1" noChangeShapeType="1"/>
+                </p:cNvPicPr>
+                <p:nvPr/>
+              </p:nvPicPr>
+              <p:blipFill>
+                <a:blip r:embed="rId5"/>
+                <a:stretch>
+                  <a:fillRect/>
+                </a:stretch>
+              </p:blipFill>
+              <p:spPr>
+                <a:xfrm>
+                  <a:off x="3313485" y="4834469"/>
+                  <a:ext cx="2780030" cy="1563767"/>
+                </a:xfrm>
+                <a:prstGeom prst="rect">
+                  <a:avLst/>
+                </a:prstGeom>
+                <a:ln w="3175">
+                  <a:solidFill>
+                    <a:prstClr val="ltGray"/>
+                  </a:solidFill>
+                </a:ln>
+              </p:spPr>
+            </p:pic>
+          </p:grpSp>
+        </mc:Fallback>
+      </mc:AlternateContent>
     </p:spTree>
     <p:extLst>
       <p:ext uri="{BB962C8B-B14F-4D97-AF65-F5344CB8AC3E}">
-        <p14:creationId xmlns:p14="http://schemas.microsoft.com/office/powerpoint/2010/main" val="2276261813"/>
+        <p14:creationId xmlns:p14="http://schemas.microsoft.com/office/powerpoint/2010/main" val="3023090536"/>
       </p:ext>
     </p:extLst>
   </p:cSld>
@@ -7800,7 +8157,7 @@
           <p:cNvPr id="3" name="Title 2">
             <a:extLst>
               <a:ext uri="{FF2B5EF4-FFF2-40B4-BE49-F238E27FC236}">
-                <a16:creationId xmlns:a16="http://schemas.microsoft.com/office/drawing/2014/main" id="{475692B9-20D3-B27F-0B39-461D86278E3F}"/>
+                <a16:creationId xmlns:a16="http://schemas.microsoft.com/office/drawing/2014/main" id="{CFA19B76-099F-9821-110E-AE530EB8BF3C}"/>
               </a:ext>
             </a:extLst>
           </p:cNvPr>
@@ -7822,17 +8179,17 @@
                   <a:schemeClr val="tx1"/>
                 </a:solidFill>
               </a:rPr>
-              <a:t>Decision Tree</a:t>
+              <a:t>Logistic Regression</a:t>
             </a:r>
           </a:p>
         </p:txBody>
       </p:sp>
       <p:pic>
         <p:nvPicPr>
-          <p:cNvPr id="4" name="Content Placeholder 3" descr="Graphical user interface, application&#10;&#10;Description automatically generated">
-            <a:extLst>
-              <a:ext uri="{FF2B5EF4-FFF2-40B4-BE49-F238E27FC236}">
-                <a16:creationId xmlns:a16="http://schemas.microsoft.com/office/drawing/2014/main" id="{A2CD8591-4F2A-D4CA-37F6-1EA99D910F1D}"/>
+          <p:cNvPr id="4" name="Content Placeholder 3" descr="A picture containing treemap chart&#10;&#10;Description automatically generated">
+            <a:extLst>
+              <a:ext uri="{FF2B5EF4-FFF2-40B4-BE49-F238E27FC236}">
+                <a16:creationId xmlns:a16="http://schemas.microsoft.com/office/drawing/2014/main" id="{83CC4C23-6E88-76CD-BA5F-FA6C3C089A43}"/>
               </a:ext>
             </a:extLst>
           </p:cNvPr>
@@ -7851,8 +8208,8 @@
         </p:blipFill>
         <p:spPr>
           <a:xfrm>
-            <a:off x="5938306" y="1892532"/>
-            <a:ext cx="6047113" cy="3475038"/>
+            <a:off x="5716299" y="1803322"/>
+            <a:ext cx="5822053" cy="3475038"/>
           </a:xfrm>
           <a:prstGeom prst="rect">
             <a:avLst/>
@@ -7864,7 +8221,7 @@
           <p:cNvPr id="5" name="Picture 4" descr="A screenshot of a computer&#10;&#10;Description automatically generated with low confidence">
             <a:extLst>
               <a:ext uri="{FF2B5EF4-FFF2-40B4-BE49-F238E27FC236}">
-                <a16:creationId xmlns:a16="http://schemas.microsoft.com/office/drawing/2014/main" id="{51A64C6C-B54B-0D45-E2D7-D364E38A7133}"/>
+                <a16:creationId xmlns:a16="http://schemas.microsoft.com/office/drawing/2014/main" id="{6ADEC8C5-8A20-87AF-0C05-8E6C50F32018}"/>
               </a:ext>
             </a:extLst>
           </p:cNvPr>
@@ -7881,8 +8238,8 @@
         </p:blipFill>
         <p:spPr>
           <a:xfrm>
-            <a:off x="1014575" y="2123750"/>
-            <a:ext cx="4587240" cy="2788920"/>
+            <a:off x="653648" y="2108281"/>
+            <a:ext cx="4632960" cy="2865120"/>
           </a:xfrm>
           <a:prstGeom prst="rect">
             <a:avLst/>
@@ -7892,7 +8249,7 @@
     </p:spTree>
     <p:extLst>
       <p:ext uri="{BB962C8B-B14F-4D97-AF65-F5344CB8AC3E}">
-        <p14:creationId xmlns:p14="http://schemas.microsoft.com/office/powerpoint/2010/main" val="4224751395"/>
+        <p14:creationId xmlns:p14="http://schemas.microsoft.com/office/powerpoint/2010/main" val="1440357147"/>
       </p:ext>
     </p:extLst>
   </p:cSld>
@@ -7924,7 +8281,7 @@
           <p:cNvPr id="3" name="Title 2">
             <a:extLst>
               <a:ext uri="{FF2B5EF4-FFF2-40B4-BE49-F238E27FC236}">
-                <a16:creationId xmlns:a16="http://schemas.microsoft.com/office/drawing/2014/main" id="{39FFA98F-AEC6-446D-382E-EA997C5B8954}"/>
+                <a16:creationId xmlns:a16="http://schemas.microsoft.com/office/drawing/2014/main" id="{475692B9-20D3-B27F-0B39-461D86278E3F}"/>
               </a:ext>
             </a:extLst>
           </p:cNvPr>
@@ -7935,12 +8292,7 @@
             <p:ph type="title"/>
           </p:nvPr>
         </p:nvSpPr>
-        <p:spPr>
-          <a:xfrm>
-            <a:off x="1540324" y="734453"/>
-            <a:ext cx="3104346" cy="975070"/>
-          </a:xfrm>
-        </p:spPr>
+        <p:spPr/>
         <p:txBody>
           <a:bodyPr/>
           <a:lstStyle/>
@@ -7951,17 +8303,17 @@
                   <a:schemeClr val="tx1"/>
                 </a:solidFill>
               </a:rPr>
-              <a:t>KNN Model</a:t>
+              <a:t>Decision Tree</a:t>
             </a:r>
           </a:p>
         </p:txBody>
       </p:sp>
       <p:pic>
         <p:nvPicPr>
-          <p:cNvPr id="4" name="Content Placeholder 3" descr="A picture containing text, receipt, screenshot&#10;&#10;Description automatically generated">
-            <a:extLst>
-              <a:ext uri="{FF2B5EF4-FFF2-40B4-BE49-F238E27FC236}">
-                <a16:creationId xmlns:a16="http://schemas.microsoft.com/office/drawing/2014/main" id="{384DB02A-F0ED-5264-FE06-6BF81229B0F8}"/>
+          <p:cNvPr id="4" name="Content Placeholder 3" descr="Graphical user interface, application&#10;&#10;Description automatically generated">
+            <a:extLst>
+              <a:ext uri="{FF2B5EF4-FFF2-40B4-BE49-F238E27FC236}">
+                <a16:creationId xmlns:a16="http://schemas.microsoft.com/office/drawing/2014/main" id="{A2CD8591-4F2A-D4CA-37F6-1EA99D910F1D}"/>
               </a:ext>
             </a:extLst>
           </p:cNvPr>
@@ -7980,8 +8332,8 @@
         </p:blipFill>
         <p:spPr>
           <a:xfrm>
-            <a:off x="6613263" y="78057"/>
-            <a:ext cx="4724400" cy="2819400"/>
+            <a:off x="5938306" y="1892532"/>
+            <a:ext cx="6047113" cy="3475038"/>
           </a:xfrm>
           <a:prstGeom prst="rect">
             <a:avLst/>
@@ -7990,10 +8342,10 @@
       </p:pic>
       <p:pic>
         <p:nvPicPr>
-          <p:cNvPr id="5" name="Picture 4" descr="Chart&#10;&#10;Description automatically generated">
-            <a:extLst>
-              <a:ext uri="{FF2B5EF4-FFF2-40B4-BE49-F238E27FC236}">
-                <a16:creationId xmlns:a16="http://schemas.microsoft.com/office/drawing/2014/main" id="{C8B48809-35B1-5E82-C023-D71B2EFE73EE}"/>
+          <p:cNvPr id="5" name="Picture 4" descr="A screenshot of a computer&#10;&#10;Description automatically generated with low confidence">
+            <a:extLst>
+              <a:ext uri="{FF2B5EF4-FFF2-40B4-BE49-F238E27FC236}">
+                <a16:creationId xmlns:a16="http://schemas.microsoft.com/office/drawing/2014/main" id="{51A64C6C-B54B-0D45-E2D7-D364E38A7133}"/>
               </a:ext>
             </a:extLst>
           </p:cNvPr>
@@ -8010,38 +8362,8 @@
         </p:blipFill>
         <p:spPr>
           <a:xfrm>
-            <a:off x="6162906" y="2664734"/>
-            <a:ext cx="5241663" cy="3071637"/>
-          </a:xfrm>
-          <a:prstGeom prst="rect">
-            <a:avLst/>
-          </a:prstGeom>
-        </p:spPr>
-      </p:pic>
-      <p:pic>
-        <p:nvPicPr>
-          <p:cNvPr id="6" name="Picture 5" descr="Chart, line chart&#10;&#10;Description automatically generated">
-            <a:extLst>
-              <a:ext uri="{FF2B5EF4-FFF2-40B4-BE49-F238E27FC236}">
-                <a16:creationId xmlns:a16="http://schemas.microsoft.com/office/drawing/2014/main" id="{ECE27007-682E-43BA-91E7-86A5E9D3B64F}"/>
-              </a:ext>
-            </a:extLst>
-          </p:cNvPr>
-          <p:cNvPicPr>
-            <a:picLocks noChangeAspect="1"/>
-          </p:cNvPicPr>
-          <p:nvPr/>
-        </p:nvPicPr>
-        <p:blipFill>
-          <a:blip r:embed="rId4"/>
-          <a:stretch>
-            <a:fillRect/>
-          </a:stretch>
-        </p:blipFill>
-        <p:spPr>
-          <a:xfrm>
-            <a:off x="0" y="2433163"/>
-            <a:ext cx="6184994" cy="3202849"/>
+            <a:off x="1014575" y="2123750"/>
+            <a:ext cx="4587240" cy="2788920"/>
           </a:xfrm>
           <a:prstGeom prst="rect">
             <a:avLst/>
@@ -8051,7 +8373,7 @@
     </p:spTree>
     <p:extLst>
       <p:ext uri="{BB962C8B-B14F-4D97-AF65-F5344CB8AC3E}">
-        <p14:creationId xmlns:p14="http://schemas.microsoft.com/office/powerpoint/2010/main" val="3427087499"/>
+        <p14:creationId xmlns:p14="http://schemas.microsoft.com/office/powerpoint/2010/main" val="4224751395"/>
       </p:ext>
     </p:extLst>
   </p:cSld>
@@ -8080,10 +8402,10 @@
       </p:grpSpPr>
       <p:sp>
         <p:nvSpPr>
-          <p:cNvPr id="2" name="Title 1">
-            <a:extLst>
-              <a:ext uri="{FF2B5EF4-FFF2-40B4-BE49-F238E27FC236}">
-                <a16:creationId xmlns:a16="http://schemas.microsoft.com/office/drawing/2014/main" id="{CEC966CE-126E-656B-F2C9-C738AD4F6FA8}"/>
+          <p:cNvPr id="3" name="Title 2">
+            <a:extLst>
+              <a:ext uri="{FF2B5EF4-FFF2-40B4-BE49-F238E27FC236}">
+                <a16:creationId xmlns:a16="http://schemas.microsoft.com/office/drawing/2014/main" id="{39FFA98F-AEC6-446D-382E-EA997C5B8954}"/>
               </a:ext>
             </a:extLst>
           </p:cNvPr>
@@ -8094,47 +8416,123 @@
             <p:ph type="title"/>
           </p:nvPr>
         </p:nvSpPr>
-        <p:spPr/>
+        <p:spPr>
+          <a:xfrm>
+            <a:off x="1540324" y="734453"/>
+            <a:ext cx="3104346" cy="975070"/>
+          </a:xfrm>
+        </p:spPr>
         <p:txBody>
           <a:bodyPr/>
           <a:lstStyle/>
           <a:p>
             <a:r>
-              <a:rPr lang="en-US" dirty="0"/>
-              <a:t>ML Models in Over-Sampling</a:t>
+              <a:rPr lang="en-US" dirty="0">
+                <a:solidFill>
+                  <a:schemeClr val="tx1"/>
+                </a:solidFill>
+              </a:rPr>
+              <a:t>KNN Model</a:t>
             </a:r>
           </a:p>
         </p:txBody>
       </p:sp>
-      <p:sp>
-        <p:nvSpPr>
-          <p:cNvPr id="3" name="Text Placeholder 2">
-            <a:extLst>
-              <a:ext uri="{FF2B5EF4-FFF2-40B4-BE49-F238E27FC236}">
-                <a16:creationId xmlns:a16="http://schemas.microsoft.com/office/drawing/2014/main" id="{B37E36AB-C8EA-A940-585A-9CE92250D41C}"/>
-              </a:ext>
-            </a:extLst>
-          </p:cNvPr>
-          <p:cNvSpPr>
-            <a:spLocks noGrp="1"/>
-          </p:cNvSpPr>
+      <p:pic>
+        <p:nvPicPr>
+          <p:cNvPr id="4" name="Content Placeholder 3" descr="A picture containing text, receipt, screenshot&#10;&#10;Description automatically generated">
+            <a:extLst>
+              <a:ext uri="{FF2B5EF4-FFF2-40B4-BE49-F238E27FC236}">
+                <a16:creationId xmlns:a16="http://schemas.microsoft.com/office/drawing/2014/main" id="{384DB02A-F0ED-5264-FE06-6BF81229B0F8}"/>
+              </a:ext>
+            </a:extLst>
+          </p:cNvPr>
+          <p:cNvPicPr>
+            <a:picLocks noGrp="1" noChangeAspect="1"/>
+          </p:cNvPicPr>
           <p:nvPr>
-            <p:ph type="body" idx="1"/>
+            <p:ph idx="13"/>
           </p:nvPr>
-        </p:nvSpPr>
-        <p:spPr/>
-        <p:txBody>
-          <a:bodyPr/>
-          <a:lstStyle/>
-          <a:p>
-            <a:endParaRPr lang="en-US"/>
-          </a:p>
-        </p:txBody>
-      </p:sp>
+        </p:nvPicPr>
+        <p:blipFill>
+          <a:blip r:embed="rId2"/>
+          <a:stretch>
+            <a:fillRect/>
+          </a:stretch>
+        </p:blipFill>
+        <p:spPr>
+          <a:xfrm>
+            <a:off x="6613263" y="78057"/>
+            <a:ext cx="4724400" cy="2819400"/>
+          </a:xfrm>
+          <a:prstGeom prst="rect">
+            <a:avLst/>
+          </a:prstGeom>
+        </p:spPr>
+      </p:pic>
+      <p:pic>
+        <p:nvPicPr>
+          <p:cNvPr id="5" name="Picture 4" descr="Chart&#10;&#10;Description automatically generated">
+            <a:extLst>
+              <a:ext uri="{FF2B5EF4-FFF2-40B4-BE49-F238E27FC236}">
+                <a16:creationId xmlns:a16="http://schemas.microsoft.com/office/drawing/2014/main" id="{C8B48809-35B1-5E82-C023-D71B2EFE73EE}"/>
+              </a:ext>
+            </a:extLst>
+          </p:cNvPr>
+          <p:cNvPicPr>
+            <a:picLocks noChangeAspect="1"/>
+          </p:cNvPicPr>
+          <p:nvPr/>
+        </p:nvPicPr>
+        <p:blipFill>
+          <a:blip r:embed="rId3"/>
+          <a:stretch>
+            <a:fillRect/>
+          </a:stretch>
+        </p:blipFill>
+        <p:spPr>
+          <a:xfrm>
+            <a:off x="6162906" y="2664734"/>
+            <a:ext cx="5241663" cy="3071637"/>
+          </a:xfrm>
+          <a:prstGeom prst="rect">
+            <a:avLst/>
+          </a:prstGeom>
+        </p:spPr>
+      </p:pic>
+      <p:pic>
+        <p:nvPicPr>
+          <p:cNvPr id="6" name="Picture 5" descr="Chart, line chart&#10;&#10;Description automatically generated">
+            <a:extLst>
+              <a:ext uri="{FF2B5EF4-FFF2-40B4-BE49-F238E27FC236}">
+                <a16:creationId xmlns:a16="http://schemas.microsoft.com/office/drawing/2014/main" id="{ECE27007-682E-43BA-91E7-86A5E9D3B64F}"/>
+              </a:ext>
+            </a:extLst>
+          </p:cNvPr>
+          <p:cNvPicPr>
+            <a:picLocks noChangeAspect="1"/>
+          </p:cNvPicPr>
+          <p:nvPr/>
+        </p:nvPicPr>
+        <p:blipFill>
+          <a:blip r:embed="rId4"/>
+          <a:stretch>
+            <a:fillRect/>
+          </a:stretch>
+        </p:blipFill>
+        <p:spPr>
+          <a:xfrm>
+            <a:off x="0" y="2433163"/>
+            <a:ext cx="6184994" cy="3202849"/>
+          </a:xfrm>
+          <a:prstGeom prst="rect">
+            <a:avLst/>
+          </a:prstGeom>
+        </p:spPr>
+      </p:pic>
     </p:spTree>
     <p:extLst>
       <p:ext uri="{BB962C8B-B14F-4D97-AF65-F5344CB8AC3E}">
-        <p14:creationId xmlns:p14="http://schemas.microsoft.com/office/powerpoint/2010/main" val="1549109437"/>
+        <p14:creationId xmlns:p14="http://schemas.microsoft.com/office/powerpoint/2010/main" val="3427087499"/>
       </p:ext>
     </p:extLst>
   </p:cSld>
@@ -8163,10 +8561,10 @@
       </p:grpSpPr>
       <p:sp>
         <p:nvSpPr>
-          <p:cNvPr id="3" name="Title 2">
-            <a:extLst>
-              <a:ext uri="{FF2B5EF4-FFF2-40B4-BE49-F238E27FC236}">
-                <a16:creationId xmlns:a16="http://schemas.microsoft.com/office/drawing/2014/main" id="{871F2B47-952A-C503-0847-BA0A145BB3FE}"/>
+          <p:cNvPr id="2" name="Title 1">
+            <a:extLst>
+              <a:ext uri="{FF2B5EF4-FFF2-40B4-BE49-F238E27FC236}">
+                <a16:creationId xmlns:a16="http://schemas.microsoft.com/office/drawing/2014/main" id="{CEC966CE-126E-656B-F2C9-C738AD4F6FA8}"/>
               </a:ext>
             </a:extLst>
           </p:cNvPr>
@@ -8177,86 +8575,27 @@
             <p:ph type="title"/>
           </p:nvPr>
         </p:nvSpPr>
-        <p:spPr/>
+        <p:spPr>
+          <a:xfrm>
+            <a:off x="696202" y="2043057"/>
+            <a:ext cx="10799595" cy="1910716"/>
+          </a:xfrm>
+        </p:spPr>
         <p:txBody>
           <a:bodyPr/>
           <a:lstStyle/>
           <a:p>
             <a:r>
-              <a:rPr lang="en-US" dirty="0">
-                <a:solidFill>
-                  <a:schemeClr val="tx1"/>
-                </a:solidFill>
-              </a:rPr>
-              <a:t>Random Forest Classifier</a:t>
+              <a:rPr lang="en-US" dirty="0"/>
+              <a:t>ML Models in Over-Sampling</a:t>
             </a:r>
           </a:p>
         </p:txBody>
       </p:sp>
-      <p:pic>
-        <p:nvPicPr>
-          <p:cNvPr id="7" name="Picture 6" descr="A screenshot of a computer&#10;&#10;Description automatically generated with low confidence">
-            <a:extLst>
-              <a:ext uri="{FF2B5EF4-FFF2-40B4-BE49-F238E27FC236}">
-                <a16:creationId xmlns:a16="http://schemas.microsoft.com/office/drawing/2014/main" id="{BD1D5756-C3E4-0ED5-EBC2-74D78D8B36C6}"/>
-              </a:ext>
-            </a:extLst>
-          </p:cNvPr>
-          <p:cNvPicPr>
-            <a:picLocks noChangeAspect="1"/>
-          </p:cNvPicPr>
-          <p:nvPr/>
-        </p:nvPicPr>
-        <p:blipFill>
-          <a:blip r:embed="rId2"/>
-          <a:stretch>
-            <a:fillRect/>
-          </a:stretch>
-        </p:blipFill>
-        <p:spPr>
-          <a:xfrm>
-            <a:off x="752057" y="2182464"/>
-            <a:ext cx="4777740" cy="2720340"/>
-          </a:xfrm>
-          <a:prstGeom prst="rect">
-            <a:avLst/>
-          </a:prstGeom>
-        </p:spPr>
-      </p:pic>
-      <p:pic>
-        <p:nvPicPr>
-          <p:cNvPr id="8" name="Picture 7" descr="Graphical user interface, application&#10;&#10;Description automatically generated">
-            <a:extLst>
-              <a:ext uri="{FF2B5EF4-FFF2-40B4-BE49-F238E27FC236}">
-                <a16:creationId xmlns:a16="http://schemas.microsoft.com/office/drawing/2014/main" id="{338B7066-7549-FEA0-EC2E-60B35AC4745F}"/>
-              </a:ext>
-            </a:extLst>
-          </p:cNvPr>
-          <p:cNvPicPr>
-            <a:picLocks noChangeAspect="1"/>
-          </p:cNvPicPr>
-          <p:nvPr/>
-        </p:nvPicPr>
-        <p:blipFill>
-          <a:blip r:embed="rId3"/>
-          <a:stretch>
-            <a:fillRect/>
-          </a:stretch>
-        </p:blipFill>
-        <p:spPr>
-          <a:xfrm>
-            <a:off x="5700131" y="1635760"/>
-            <a:ext cx="5943600" cy="3586480"/>
-          </a:xfrm>
-          <a:prstGeom prst="rect">
-            <a:avLst/>
-          </a:prstGeom>
-        </p:spPr>
-      </p:pic>
     </p:spTree>
     <p:extLst>
       <p:ext uri="{BB962C8B-B14F-4D97-AF65-F5344CB8AC3E}">
-        <p14:creationId xmlns:p14="http://schemas.microsoft.com/office/powerpoint/2010/main" val="1064835730"/>
+        <p14:creationId xmlns:p14="http://schemas.microsoft.com/office/powerpoint/2010/main" val="1549109437"/>
       </p:ext>
     </p:extLst>
   </p:cSld>
@@ -8288,7 +8627,7 @@
           <p:cNvPr id="3" name="Title 2">
             <a:extLst>
               <a:ext uri="{FF2B5EF4-FFF2-40B4-BE49-F238E27FC236}">
-                <a16:creationId xmlns:a16="http://schemas.microsoft.com/office/drawing/2014/main" id="{CFA19B76-099F-9821-110E-AE530EB8BF3C}"/>
+                <a16:creationId xmlns:a16="http://schemas.microsoft.com/office/drawing/2014/main" id="{871F2B47-952A-C503-0847-BA0A145BB3FE}"/>
               </a:ext>
             </a:extLst>
           </p:cNvPr>
@@ -8310,7 +8649,7 @@
                   <a:schemeClr val="tx1"/>
                 </a:solidFill>
               </a:rPr>
-              <a:t>Logistic Regression</a:t>
+              <a:t>Random Forest Classifier</a:t>
             </a:r>
           </a:p>
         </p:txBody>
@@ -8320,7 +8659,7 @@
           <p:cNvPr id="7" name="Picture 6" descr="A screenshot of a computer&#10;&#10;Description automatically generated with low confidence">
             <a:extLst>
               <a:ext uri="{FF2B5EF4-FFF2-40B4-BE49-F238E27FC236}">
-                <a16:creationId xmlns:a16="http://schemas.microsoft.com/office/drawing/2014/main" id="{99E140E2-C40F-A120-A45C-801A724BDB2F}"/>
+                <a16:creationId xmlns:a16="http://schemas.microsoft.com/office/drawing/2014/main" id="{BD1D5756-C3E4-0ED5-EBC2-74D78D8B36C6}"/>
               </a:ext>
             </a:extLst>
           </p:cNvPr>
@@ -8337,8 +8676,8 @@
         </p:blipFill>
         <p:spPr>
           <a:xfrm>
-            <a:off x="854337" y="2227642"/>
-            <a:ext cx="4480560" cy="2804160"/>
+            <a:off x="752057" y="2182464"/>
+            <a:ext cx="4777740" cy="2720340"/>
           </a:xfrm>
           <a:prstGeom prst="rect">
             <a:avLst/>
@@ -8347,10 +8686,10 @@
       </p:pic>
       <p:pic>
         <p:nvPicPr>
-          <p:cNvPr id="8" name="Picture 7" descr="Graphical user interface&#10;&#10;Description automatically generated">
-            <a:extLst>
-              <a:ext uri="{FF2B5EF4-FFF2-40B4-BE49-F238E27FC236}">
-                <a16:creationId xmlns:a16="http://schemas.microsoft.com/office/drawing/2014/main" id="{EC257829-E07A-F843-3045-8939F01AD37E}"/>
+          <p:cNvPr id="8" name="Picture 7" descr="Graphical user interface, application&#10;&#10;Description automatically generated">
+            <a:extLst>
+              <a:ext uri="{FF2B5EF4-FFF2-40B4-BE49-F238E27FC236}">
+                <a16:creationId xmlns:a16="http://schemas.microsoft.com/office/drawing/2014/main" id="{338B7066-7549-FEA0-EC2E-60B35AC4745F}"/>
               </a:ext>
             </a:extLst>
           </p:cNvPr>
@@ -8367,8 +8706,8 @@
         </p:blipFill>
         <p:spPr>
           <a:xfrm>
-            <a:off x="6096000" y="1768063"/>
-            <a:ext cx="5948681" cy="3419856"/>
+            <a:off x="5700131" y="1635760"/>
+            <a:ext cx="5943600" cy="3586480"/>
           </a:xfrm>
           <a:prstGeom prst="rect">
             <a:avLst/>
@@ -8378,7 +8717,7 @@
     </p:spTree>
     <p:extLst>
       <p:ext uri="{BB962C8B-B14F-4D97-AF65-F5344CB8AC3E}">
-        <p14:creationId xmlns:p14="http://schemas.microsoft.com/office/powerpoint/2010/main" val="265548008"/>
+        <p14:creationId xmlns:p14="http://schemas.microsoft.com/office/powerpoint/2010/main" val="1064835730"/>
       </p:ext>
     </p:extLst>
   </p:cSld>
@@ -8410,7 +8749,7 @@
           <p:cNvPr id="3" name="Title 2">
             <a:extLst>
               <a:ext uri="{FF2B5EF4-FFF2-40B4-BE49-F238E27FC236}">
-                <a16:creationId xmlns:a16="http://schemas.microsoft.com/office/drawing/2014/main" id="{475692B9-20D3-B27F-0B39-461D86278E3F}"/>
+                <a16:creationId xmlns:a16="http://schemas.microsoft.com/office/drawing/2014/main" id="{CFA19B76-099F-9821-110E-AE530EB8BF3C}"/>
               </a:ext>
             </a:extLst>
           </p:cNvPr>
@@ -8432,17 +8771,17 @@
                   <a:schemeClr val="tx1"/>
                 </a:solidFill>
               </a:rPr>
-              <a:t>Decision Tree</a:t>
+              <a:t>Logistic Regression</a:t>
             </a:r>
           </a:p>
         </p:txBody>
       </p:sp>
       <p:pic>
         <p:nvPicPr>
-          <p:cNvPr id="7" name="Picture 6" descr="A picture containing text, receipt, screenshot&#10;&#10;Description automatically generated">
-            <a:extLst>
-              <a:ext uri="{FF2B5EF4-FFF2-40B4-BE49-F238E27FC236}">
-                <a16:creationId xmlns:a16="http://schemas.microsoft.com/office/drawing/2014/main" id="{4CC96A52-8677-F1B8-1BA9-3DA82B729D3D}"/>
+          <p:cNvPr id="7" name="Picture 6" descr="A screenshot of a computer&#10;&#10;Description automatically generated with low confidence">
+            <a:extLst>
+              <a:ext uri="{FF2B5EF4-FFF2-40B4-BE49-F238E27FC236}">
+                <a16:creationId xmlns:a16="http://schemas.microsoft.com/office/drawing/2014/main" id="{99E140E2-C40F-A120-A45C-801A724BDB2F}"/>
               </a:ext>
             </a:extLst>
           </p:cNvPr>
@@ -8459,8 +8798,8 @@
         </p:blipFill>
         <p:spPr>
           <a:xfrm>
-            <a:off x="775009" y="2030730"/>
-            <a:ext cx="4419600" cy="2796540"/>
+            <a:off x="854337" y="2227642"/>
+            <a:ext cx="4480560" cy="2804160"/>
           </a:xfrm>
           <a:prstGeom prst="rect">
             <a:avLst/>
@@ -8469,10 +8808,10 @@
       </p:pic>
       <p:pic>
         <p:nvPicPr>
-          <p:cNvPr id="8" name="Picture 7" descr="Graphical user interface, application&#10;&#10;Description automatically generated">
-            <a:extLst>
-              <a:ext uri="{FF2B5EF4-FFF2-40B4-BE49-F238E27FC236}">
-                <a16:creationId xmlns:a16="http://schemas.microsoft.com/office/drawing/2014/main" id="{F1ABA1A0-B68B-2C23-59AF-9752715B1B21}"/>
+          <p:cNvPr id="8" name="Picture 7" descr="Graphical user interface&#10;&#10;Description automatically generated">
+            <a:extLst>
+              <a:ext uri="{FF2B5EF4-FFF2-40B4-BE49-F238E27FC236}">
+                <a16:creationId xmlns:a16="http://schemas.microsoft.com/office/drawing/2014/main" id="{EC257829-E07A-F843-3045-8939F01AD37E}"/>
               </a:ext>
             </a:extLst>
           </p:cNvPr>
@@ -8489,8 +8828,8 @@
         </p:blipFill>
         <p:spPr>
           <a:xfrm>
-            <a:off x="5856249" y="1363980"/>
-            <a:ext cx="5943600" cy="3463290"/>
+            <a:off x="6096000" y="1768063"/>
+            <a:ext cx="5948681" cy="3419856"/>
           </a:xfrm>
           <a:prstGeom prst="rect">
             <a:avLst/>
@@ -8500,7 +8839,7 @@
     </p:spTree>
     <p:extLst>
       <p:ext uri="{BB962C8B-B14F-4D97-AF65-F5344CB8AC3E}">
-        <p14:creationId xmlns:p14="http://schemas.microsoft.com/office/powerpoint/2010/main" val="1836207580"/>
+        <p14:creationId xmlns:p14="http://schemas.microsoft.com/office/powerpoint/2010/main" val="265548008"/>
       </p:ext>
     </p:extLst>
   </p:cSld>
@@ -8532,7 +8871,7 @@
           <p:cNvPr id="3" name="Title 2">
             <a:extLst>
               <a:ext uri="{FF2B5EF4-FFF2-40B4-BE49-F238E27FC236}">
-                <a16:creationId xmlns:a16="http://schemas.microsoft.com/office/drawing/2014/main" id="{39FFA98F-AEC6-446D-382E-EA997C5B8954}"/>
+                <a16:creationId xmlns:a16="http://schemas.microsoft.com/office/drawing/2014/main" id="{475692B9-20D3-B27F-0B39-461D86278E3F}"/>
               </a:ext>
             </a:extLst>
           </p:cNvPr>
@@ -8543,12 +8882,7 @@
             <p:ph type="title"/>
           </p:nvPr>
         </p:nvSpPr>
-        <p:spPr>
-          <a:xfrm>
-            <a:off x="1540324" y="734453"/>
-            <a:ext cx="3104346" cy="975070"/>
-          </a:xfrm>
-        </p:spPr>
+        <p:spPr/>
         <p:txBody>
           <a:bodyPr/>
           <a:lstStyle/>
@@ -8559,17 +8893,17 @@
                   <a:schemeClr val="tx1"/>
                 </a:solidFill>
               </a:rPr>
-              <a:t>KNN Model</a:t>
+              <a:t>Decision Tree</a:t>
             </a:r>
           </a:p>
         </p:txBody>
       </p:sp>
       <p:pic>
         <p:nvPicPr>
-          <p:cNvPr id="8" name="Picture 7" descr="Chart, line chart&#10;&#10;Description automatically generated">
-            <a:extLst>
-              <a:ext uri="{FF2B5EF4-FFF2-40B4-BE49-F238E27FC236}">
-                <a16:creationId xmlns:a16="http://schemas.microsoft.com/office/drawing/2014/main" id="{AB746098-FB53-9CC0-8468-32E0C4DA3EED}"/>
+          <p:cNvPr id="7" name="Picture 6" descr="A picture containing text, receipt, screenshot&#10;&#10;Description automatically generated">
+            <a:extLst>
+              <a:ext uri="{FF2B5EF4-FFF2-40B4-BE49-F238E27FC236}">
+                <a16:creationId xmlns:a16="http://schemas.microsoft.com/office/drawing/2014/main" id="{4CC96A52-8677-F1B8-1BA9-3DA82B729D3D}"/>
               </a:ext>
             </a:extLst>
           </p:cNvPr>
@@ -8586,8 +8920,8 @@
         </p:blipFill>
         <p:spPr>
           <a:xfrm>
-            <a:off x="120697" y="1899285"/>
-            <a:ext cx="5943600" cy="3059430"/>
+            <a:off x="775009" y="2030730"/>
+            <a:ext cx="4419600" cy="2796540"/>
           </a:xfrm>
           <a:prstGeom prst="rect">
             <a:avLst/>
@@ -8596,10 +8930,10 @@
       </p:pic>
       <p:pic>
         <p:nvPicPr>
-          <p:cNvPr id="9" name="Picture 8">
-            <a:extLst>
-              <a:ext uri="{FF2B5EF4-FFF2-40B4-BE49-F238E27FC236}">
-                <a16:creationId xmlns:a16="http://schemas.microsoft.com/office/drawing/2014/main" id="{C9324D4B-993E-53E5-65DA-4B73CA80BE67}"/>
+          <p:cNvPr id="8" name="Picture 7" descr="Graphical user interface, application&#10;&#10;Description automatically generated">
+            <a:extLst>
+              <a:ext uri="{FF2B5EF4-FFF2-40B4-BE49-F238E27FC236}">
+                <a16:creationId xmlns:a16="http://schemas.microsoft.com/office/drawing/2014/main" id="{F1ABA1A0-B68B-2C23-59AF-9752715B1B21}"/>
               </a:ext>
             </a:extLst>
           </p:cNvPr>
@@ -8616,6 +8950,133 @@
         </p:blipFill>
         <p:spPr>
           <a:xfrm>
+            <a:off x="5856249" y="1363980"/>
+            <a:ext cx="5943600" cy="3463290"/>
+          </a:xfrm>
+          <a:prstGeom prst="rect">
+            <a:avLst/>
+          </a:prstGeom>
+        </p:spPr>
+      </p:pic>
+    </p:spTree>
+    <p:extLst>
+      <p:ext uri="{BB962C8B-B14F-4D97-AF65-F5344CB8AC3E}">
+        <p14:creationId xmlns:p14="http://schemas.microsoft.com/office/powerpoint/2010/main" val="1836207580"/>
+      </p:ext>
+    </p:extLst>
+  </p:cSld>
+  <p:clrMapOvr>
+    <a:masterClrMapping/>
+  </p:clrMapOvr>
+</p:sld>
+</file>
+
+<file path=ppt/slides/slide17.xml><?xml version="1.0" encoding="utf-8"?>
+<p:sld xmlns:a="http://schemas.openxmlformats.org/drawingml/2006/main" xmlns:r="http://schemas.openxmlformats.org/officeDocument/2006/relationships" xmlns:p="http://schemas.openxmlformats.org/presentationml/2006/main">
+  <p:cSld>
+    <p:spTree>
+      <p:nvGrpSpPr>
+        <p:cNvPr id="1" name=""/>
+        <p:cNvGrpSpPr/>
+        <p:nvPr/>
+      </p:nvGrpSpPr>
+      <p:grpSpPr>
+        <a:xfrm>
+          <a:off x="0" y="0"/>
+          <a:ext cx="0" cy="0"/>
+          <a:chOff x="0" y="0"/>
+          <a:chExt cx="0" cy="0"/>
+        </a:xfrm>
+      </p:grpSpPr>
+      <p:sp>
+        <p:nvSpPr>
+          <p:cNvPr id="3" name="Title 2">
+            <a:extLst>
+              <a:ext uri="{FF2B5EF4-FFF2-40B4-BE49-F238E27FC236}">
+                <a16:creationId xmlns:a16="http://schemas.microsoft.com/office/drawing/2014/main" id="{39FFA98F-AEC6-446D-382E-EA997C5B8954}"/>
+              </a:ext>
+            </a:extLst>
+          </p:cNvPr>
+          <p:cNvSpPr>
+            <a:spLocks noGrp="1"/>
+          </p:cNvSpPr>
+          <p:nvPr>
+            <p:ph type="title"/>
+          </p:nvPr>
+        </p:nvSpPr>
+        <p:spPr>
+          <a:xfrm>
+            <a:off x="1540324" y="734453"/>
+            <a:ext cx="3104346" cy="975070"/>
+          </a:xfrm>
+        </p:spPr>
+        <p:txBody>
+          <a:bodyPr/>
+          <a:lstStyle/>
+          <a:p>
+            <a:r>
+              <a:rPr lang="en-US" dirty="0">
+                <a:solidFill>
+                  <a:schemeClr val="tx1"/>
+                </a:solidFill>
+              </a:rPr>
+              <a:t>KNN Model</a:t>
+            </a:r>
+          </a:p>
+        </p:txBody>
+      </p:sp>
+      <p:pic>
+        <p:nvPicPr>
+          <p:cNvPr id="8" name="Picture 7" descr="Chart, line chart&#10;&#10;Description automatically generated">
+            <a:extLst>
+              <a:ext uri="{FF2B5EF4-FFF2-40B4-BE49-F238E27FC236}">
+                <a16:creationId xmlns:a16="http://schemas.microsoft.com/office/drawing/2014/main" id="{AB746098-FB53-9CC0-8468-32E0C4DA3EED}"/>
+              </a:ext>
+            </a:extLst>
+          </p:cNvPr>
+          <p:cNvPicPr>
+            <a:picLocks noChangeAspect="1"/>
+          </p:cNvPicPr>
+          <p:nvPr/>
+        </p:nvPicPr>
+        <p:blipFill>
+          <a:blip r:embed="rId2"/>
+          <a:stretch>
+            <a:fillRect/>
+          </a:stretch>
+        </p:blipFill>
+        <p:spPr>
+          <a:xfrm>
+            <a:off x="120697" y="1899285"/>
+            <a:ext cx="5943600" cy="3059430"/>
+          </a:xfrm>
+          <a:prstGeom prst="rect">
+            <a:avLst/>
+          </a:prstGeom>
+        </p:spPr>
+      </p:pic>
+      <p:pic>
+        <p:nvPicPr>
+          <p:cNvPr id="9" name="Picture 8">
+            <a:extLst>
+              <a:ext uri="{FF2B5EF4-FFF2-40B4-BE49-F238E27FC236}">
+                <a16:creationId xmlns:a16="http://schemas.microsoft.com/office/drawing/2014/main" id="{C9324D4B-993E-53E5-65DA-4B73CA80BE67}"/>
+              </a:ext>
+            </a:extLst>
+          </p:cNvPr>
+          <p:cNvPicPr>
+            <a:picLocks noChangeAspect="1"/>
+          </p:cNvPicPr>
+          <p:nvPr/>
+        </p:nvPicPr>
+        <p:blipFill>
+          <a:blip r:embed="rId3"/>
+          <a:stretch>
+            <a:fillRect/>
+          </a:stretch>
+        </p:blipFill>
+        <p:spPr>
+          <a:xfrm>
             <a:off x="7514654" y="157836"/>
             <a:ext cx="3921512" cy="2652788"/>
           </a:xfrm>
@@ -8658,6 +9119,185 @@
     <p:extLst>
       <p:ext uri="{BB962C8B-B14F-4D97-AF65-F5344CB8AC3E}">
         <p14:creationId xmlns:p14="http://schemas.microsoft.com/office/powerpoint/2010/main" val="2189104112"/>
+      </p:ext>
+    </p:extLst>
+  </p:cSld>
+  <p:clrMapOvr>
+    <a:masterClrMapping/>
+  </p:clrMapOvr>
+</p:sld>
+</file>
+
+<file path=ppt/slides/slide18.xml><?xml version="1.0" encoding="utf-8"?>
+<p:sld xmlns:a="http://schemas.openxmlformats.org/drawingml/2006/main" xmlns:r="http://schemas.openxmlformats.org/officeDocument/2006/relationships" xmlns:p="http://schemas.openxmlformats.org/presentationml/2006/main">
+  <p:cSld>
+    <p:spTree>
+      <p:nvGrpSpPr>
+        <p:cNvPr id="1" name=""/>
+        <p:cNvGrpSpPr/>
+        <p:nvPr/>
+      </p:nvGrpSpPr>
+      <p:grpSpPr>
+        <a:xfrm>
+          <a:off x="0" y="0"/>
+          <a:ext cx="0" cy="0"/>
+          <a:chOff x="0" y="0"/>
+          <a:chExt cx="0" cy="0"/>
+        </a:xfrm>
+      </p:grpSpPr>
+      <p:sp>
+        <p:nvSpPr>
+          <p:cNvPr id="2" name="Title 1">
+            <a:extLst>
+              <a:ext uri="{FF2B5EF4-FFF2-40B4-BE49-F238E27FC236}">
+                <a16:creationId xmlns:a16="http://schemas.microsoft.com/office/drawing/2014/main" id="{AF65648A-E2C4-6AEC-1F89-0CF1563E1806}"/>
+              </a:ext>
+            </a:extLst>
+          </p:cNvPr>
+          <p:cNvSpPr>
+            <a:spLocks noGrp="1"/>
+          </p:cNvSpPr>
+          <p:nvPr>
+            <p:ph type="title"/>
+          </p:nvPr>
+        </p:nvSpPr>
+        <p:spPr>
+          <a:xfrm>
+            <a:off x="696202" y="2317377"/>
+            <a:ext cx="10799595" cy="1568823"/>
+          </a:xfrm>
+        </p:spPr>
+        <p:txBody>
+          <a:bodyPr/>
+          <a:lstStyle/>
+          <a:p>
+            <a:r>
+              <a:rPr lang="en-US" dirty="0"/>
+              <a:t>CONCLUSION</a:t>
+            </a:r>
+          </a:p>
+        </p:txBody>
+      </p:sp>
+    </p:spTree>
+    <p:extLst>
+      <p:ext uri="{BB962C8B-B14F-4D97-AF65-F5344CB8AC3E}">
+        <p14:creationId xmlns:p14="http://schemas.microsoft.com/office/powerpoint/2010/main" val="3685698260"/>
+      </p:ext>
+    </p:extLst>
+  </p:cSld>
+  <p:clrMapOvr>
+    <a:masterClrMapping/>
+  </p:clrMapOvr>
+</p:sld>
+</file>
+
+<file path=ppt/slides/slide19.xml><?xml version="1.0" encoding="utf-8"?>
+<p:sld xmlns:a="http://schemas.openxmlformats.org/drawingml/2006/main" xmlns:r="http://schemas.openxmlformats.org/officeDocument/2006/relationships" xmlns:p="http://schemas.openxmlformats.org/presentationml/2006/main">
+  <p:cSld>
+    <p:spTree>
+      <p:nvGrpSpPr>
+        <p:cNvPr id="1" name=""/>
+        <p:cNvGrpSpPr/>
+        <p:nvPr/>
+      </p:nvGrpSpPr>
+      <p:grpSpPr>
+        <a:xfrm>
+          <a:off x="0" y="0"/>
+          <a:ext cx="0" cy="0"/>
+          <a:chOff x="0" y="0"/>
+          <a:chExt cx="0" cy="0"/>
+        </a:xfrm>
+      </p:grpSpPr>
+      <p:pic>
+        <p:nvPicPr>
+          <p:cNvPr id="4" name="Content Placeholder 3">
+            <a:extLst>
+              <a:ext uri="{FF2B5EF4-FFF2-40B4-BE49-F238E27FC236}">
+                <a16:creationId xmlns:a16="http://schemas.microsoft.com/office/drawing/2014/main" id="{F2EAF4DA-369D-A717-6DB9-C9540E7419B8}"/>
+              </a:ext>
+            </a:extLst>
+          </p:cNvPr>
+          <p:cNvPicPr>
+            <a:picLocks noGrp="1" noChangeAspect="1"/>
+          </p:cNvPicPr>
+          <p:nvPr>
+            <p:ph idx="13"/>
+          </p:nvPr>
+        </p:nvPicPr>
+        <p:blipFill>
+          <a:blip r:embed="rId2"/>
+          <a:stretch>
+            <a:fillRect/>
+          </a:stretch>
+        </p:blipFill>
+        <p:spPr>
+          <a:xfrm>
+            <a:off x="928525" y="1891938"/>
+            <a:ext cx="6467708" cy="2647403"/>
+          </a:xfrm>
+          <a:prstGeom prst="rect">
+            <a:avLst/>
+          </a:prstGeom>
+          <a:ln w="57150">
+            <a:solidFill>
+              <a:schemeClr val="tx1"/>
+            </a:solidFill>
+          </a:ln>
+        </p:spPr>
+      </p:pic>
+      <p:sp>
+        <p:nvSpPr>
+          <p:cNvPr id="7" name="TextBox 6">
+            <a:extLst>
+              <a:ext uri="{FF2B5EF4-FFF2-40B4-BE49-F238E27FC236}">
+                <a16:creationId xmlns:a16="http://schemas.microsoft.com/office/drawing/2014/main" id="{B9CF08B1-9CD9-2FCB-F02E-0F3B7FA20922}"/>
+              </a:ext>
+            </a:extLst>
+          </p:cNvPr>
+          <p:cNvSpPr txBox="1"/>
+          <p:nvPr/>
+        </p:nvSpPr>
+        <p:spPr>
+          <a:xfrm>
+            <a:off x="8092440" y="2392680"/>
+            <a:ext cx="3810000" cy="1815882"/>
+          </a:xfrm>
+          <a:prstGeom prst="rect">
+            <a:avLst/>
+          </a:prstGeom>
+          <a:noFill/>
+        </p:spPr>
+        <p:txBody>
+          <a:bodyPr wrap="square" rtlCol="0">
+            <a:spAutoFit/>
+          </a:bodyPr>
+          <a:lstStyle/>
+          <a:p>
+            <a:pPr marL="285750" indent="-285750">
+              <a:buFont typeface="Arial" panose="020B0604020202020204" pitchFamily="34" charset="0"/>
+              <a:buChar char="•"/>
+            </a:pPr>
+            <a:r>
+              <a:rPr lang="en-US" sz="2800" dirty="0"/>
+              <a:t>Oversampling gives better accuracy models</a:t>
+            </a:r>
+          </a:p>
+          <a:p>
+            <a:pPr marL="285750" indent="-285750">
+              <a:buFont typeface="Arial" panose="020B0604020202020204" pitchFamily="34" charset="0"/>
+              <a:buChar char="•"/>
+            </a:pPr>
+            <a:r>
+              <a:rPr lang="en-US" sz="2800" dirty="0"/>
+              <a:t>RFC is the best model</a:t>
+            </a:r>
+          </a:p>
+        </p:txBody>
+      </p:sp>
+    </p:spTree>
+    <p:extLst>
+      <p:ext uri="{BB962C8B-B14F-4D97-AF65-F5344CB8AC3E}">
+        <p14:creationId xmlns:p14="http://schemas.microsoft.com/office/powerpoint/2010/main" val="2322038698"/>
       </p:ext>
     </p:extLst>
   </p:cSld>
@@ -8686,70 +9326,10 @@
       </p:grpSpPr>
       <p:sp>
         <p:nvSpPr>
-          <p:cNvPr id="10" name="Content Placeholder 9">
-            <a:extLst>
-              <a:ext uri="{FF2B5EF4-FFF2-40B4-BE49-F238E27FC236}">
-                <a16:creationId xmlns:a16="http://schemas.microsoft.com/office/drawing/2014/main" id="{BC3A03E3-0BCB-9F4B-94E4-32826A5EB12B}"/>
-              </a:ext>
-            </a:extLst>
-          </p:cNvPr>
-          <p:cNvSpPr>
-            <a:spLocks noGrp="1"/>
-          </p:cNvSpPr>
-          <p:nvPr>
-            <p:ph idx="13"/>
-          </p:nvPr>
-        </p:nvSpPr>
-        <p:spPr>
-          <a:xfrm>
-            <a:off x="1483112" y="2085275"/>
-            <a:ext cx="8976732" cy="2163337"/>
-          </a:xfrm>
-          <a:ln w="28575">
-            <a:solidFill>
-              <a:schemeClr val="tx1"/>
-            </a:solidFill>
-          </a:ln>
-        </p:spPr>
-        <p:txBody>
-          <a:bodyPr/>
-          <a:lstStyle/>
-          <a:p>
-            <a:pPr marL="457200" indent="-457200">
-              <a:buFont typeface="Arial" panose="020B0604020202020204" pitchFamily="34" charset="0"/>
-              <a:buChar char="•"/>
-            </a:pPr>
-            <a:r>
-              <a:rPr lang="en-US" dirty="0">
-                <a:solidFill>
-                  <a:schemeClr val="tx1"/>
-                </a:solidFill>
-              </a:rPr>
-              <a:t>To use different methods to handle “Unbalanced Data”.</a:t>
-            </a:r>
-          </a:p>
-          <a:p>
-            <a:pPr marL="457200" indent="-457200">
-              <a:buFont typeface="Arial" panose="020B0604020202020204" pitchFamily="34" charset="0"/>
-              <a:buChar char="•"/>
-            </a:pPr>
-            <a:r>
-              <a:rPr lang="en-US" dirty="0">
-                <a:solidFill>
-                  <a:schemeClr val="tx1"/>
-                </a:solidFill>
-              </a:rPr>
-              <a:t>Implement different ML Algorithms and identify the best model for predicting Credit Card Fraud Detection.</a:t>
-            </a:r>
-          </a:p>
-        </p:txBody>
-      </p:sp>
-      <p:sp>
-        <p:nvSpPr>
-          <p:cNvPr id="9" name="Title 8">
-            <a:extLst>
-              <a:ext uri="{FF2B5EF4-FFF2-40B4-BE49-F238E27FC236}">
-                <a16:creationId xmlns:a16="http://schemas.microsoft.com/office/drawing/2014/main" id="{01349A66-BE07-C14D-99B8-BB68FA592C8F}"/>
+          <p:cNvPr id="2" name="Title 1">
+            <a:extLst>
+              <a:ext uri="{FF2B5EF4-FFF2-40B4-BE49-F238E27FC236}">
+                <a16:creationId xmlns:a16="http://schemas.microsoft.com/office/drawing/2014/main" id="{7238529C-5BCE-67DB-2F68-EBE4CD505ED6}"/>
               </a:ext>
             </a:extLst>
           </p:cNvPr>
@@ -8760,27 +9340,60 @@
             <p:ph type="title"/>
           </p:nvPr>
         </p:nvSpPr>
-        <p:spPr/>
+        <p:spPr>
+          <a:xfrm>
+            <a:off x="696202" y="2332617"/>
+            <a:ext cx="10799595" cy="1910716"/>
+          </a:xfrm>
+        </p:spPr>
         <p:txBody>
           <a:bodyPr/>
           <a:lstStyle/>
           <a:p>
-            <a:pPr algn="ctr"/>
             <a:r>
-              <a:rPr lang="en-US" dirty="0">
-                <a:solidFill>
-                  <a:schemeClr val="tx1"/>
-                </a:solidFill>
+              <a:rPr lang="en-US" sz="6600" i="1" dirty="0">
+                <a:latin typeface="Helvetica" pitchFamily="2" charset="0"/>
               </a:rPr>
-              <a:t>Purpose</a:t>
+              <a:t>INTRODUCTION</a:t>
             </a:r>
+            <a:endParaRPr lang="en-US" sz="6600" dirty="0"/>
           </a:p>
         </p:txBody>
       </p:sp>
     </p:spTree>
     <p:extLst>
       <p:ext uri="{BB962C8B-B14F-4D97-AF65-F5344CB8AC3E}">
-        <p14:creationId xmlns:p14="http://schemas.microsoft.com/office/powerpoint/2010/main" val="1294916252"/>
+        <p14:creationId xmlns:p14="http://schemas.microsoft.com/office/powerpoint/2010/main" val="3213102076"/>
+      </p:ext>
+    </p:extLst>
+  </p:cSld>
+  <p:clrMapOvr>
+    <a:masterClrMapping/>
+  </p:clrMapOvr>
+</p:sld>
+</file>
+
+<file path=ppt/slides/slide20.xml><?xml version="1.0" encoding="utf-8"?>
+<p:sld xmlns:a="http://schemas.openxmlformats.org/drawingml/2006/main" xmlns:r="http://schemas.openxmlformats.org/officeDocument/2006/relationships" xmlns:p="http://schemas.openxmlformats.org/presentationml/2006/main">
+  <p:cSld>
+    <p:spTree>
+      <p:nvGrpSpPr>
+        <p:cNvPr id="1" name=""/>
+        <p:cNvGrpSpPr/>
+        <p:nvPr/>
+      </p:nvGrpSpPr>
+      <p:grpSpPr>
+        <a:xfrm>
+          <a:off x="0" y="0"/>
+          <a:ext cx="0" cy="0"/>
+          <a:chOff x="0" y="0"/>
+          <a:chExt cx="0" cy="0"/>
+        </a:xfrm>
+      </p:grpSpPr>
+    </p:spTree>
+    <p:extLst>
+      <p:ext uri="{BB962C8B-B14F-4D97-AF65-F5344CB8AC3E}">
+        <p14:creationId xmlns:p14="http://schemas.microsoft.com/office/powerpoint/2010/main" val="1341976486"/>
       </p:ext>
     </p:extLst>
   </p:cSld>
@@ -8809,6 +9422,129 @@
       </p:grpSpPr>
       <p:sp>
         <p:nvSpPr>
+          <p:cNvPr id="10" name="Content Placeholder 9">
+            <a:extLst>
+              <a:ext uri="{FF2B5EF4-FFF2-40B4-BE49-F238E27FC236}">
+                <a16:creationId xmlns:a16="http://schemas.microsoft.com/office/drawing/2014/main" id="{BC3A03E3-0BCB-9F4B-94E4-32826A5EB12B}"/>
+              </a:ext>
+            </a:extLst>
+          </p:cNvPr>
+          <p:cNvSpPr>
+            <a:spLocks noGrp="1"/>
+          </p:cNvSpPr>
+          <p:nvPr>
+            <p:ph idx="13"/>
+          </p:nvPr>
+        </p:nvSpPr>
+        <p:spPr>
+          <a:xfrm>
+            <a:off x="1483112" y="2085275"/>
+            <a:ext cx="8976732" cy="2163337"/>
+          </a:xfrm>
+          <a:ln w="28575">
+            <a:solidFill>
+              <a:schemeClr val="tx1"/>
+            </a:solidFill>
+          </a:ln>
+        </p:spPr>
+        <p:txBody>
+          <a:bodyPr/>
+          <a:lstStyle/>
+          <a:p>
+            <a:pPr marL="457200" indent="-457200">
+              <a:buFont typeface="Arial" panose="020B0604020202020204" pitchFamily="34" charset="0"/>
+              <a:buChar char="•"/>
+            </a:pPr>
+            <a:r>
+              <a:rPr lang="en-US" dirty="0">
+                <a:solidFill>
+                  <a:schemeClr val="tx1"/>
+                </a:solidFill>
+              </a:rPr>
+              <a:t>To use different methods to handle “Unbalanced Data”.</a:t>
+            </a:r>
+          </a:p>
+          <a:p>
+            <a:pPr marL="457200" indent="-457200">
+              <a:buFont typeface="Arial" panose="020B0604020202020204" pitchFamily="34" charset="0"/>
+              <a:buChar char="•"/>
+            </a:pPr>
+            <a:r>
+              <a:rPr lang="en-US" dirty="0">
+                <a:solidFill>
+                  <a:schemeClr val="tx1"/>
+                </a:solidFill>
+              </a:rPr>
+              <a:t>Implement different ML Algorithms and identify the best model for predicting Credit Card Fraud Detection.</a:t>
+            </a:r>
+          </a:p>
+        </p:txBody>
+      </p:sp>
+      <p:sp>
+        <p:nvSpPr>
+          <p:cNvPr id="9" name="Title 8">
+            <a:extLst>
+              <a:ext uri="{FF2B5EF4-FFF2-40B4-BE49-F238E27FC236}">
+                <a16:creationId xmlns:a16="http://schemas.microsoft.com/office/drawing/2014/main" id="{01349A66-BE07-C14D-99B8-BB68FA592C8F}"/>
+              </a:ext>
+            </a:extLst>
+          </p:cNvPr>
+          <p:cNvSpPr>
+            <a:spLocks noGrp="1"/>
+          </p:cNvSpPr>
+          <p:nvPr>
+            <p:ph type="title"/>
+          </p:nvPr>
+        </p:nvSpPr>
+        <p:spPr/>
+        <p:txBody>
+          <a:bodyPr/>
+          <a:lstStyle/>
+          <a:p>
+            <a:pPr algn="ctr"/>
+            <a:r>
+              <a:rPr lang="en-US" dirty="0">
+                <a:solidFill>
+                  <a:schemeClr val="tx1"/>
+                </a:solidFill>
+              </a:rPr>
+              <a:t>Purpose</a:t>
+            </a:r>
+          </a:p>
+        </p:txBody>
+      </p:sp>
+    </p:spTree>
+    <p:extLst>
+      <p:ext uri="{BB962C8B-B14F-4D97-AF65-F5344CB8AC3E}">
+        <p14:creationId xmlns:p14="http://schemas.microsoft.com/office/powerpoint/2010/main" val="1294916252"/>
+      </p:ext>
+    </p:extLst>
+  </p:cSld>
+  <p:clrMapOvr>
+    <a:masterClrMapping/>
+  </p:clrMapOvr>
+</p:sld>
+</file>
+
+<file path=ppt/slides/slide4.xml><?xml version="1.0" encoding="utf-8"?>
+<p:sld xmlns:a="http://schemas.openxmlformats.org/drawingml/2006/main" xmlns:r="http://schemas.openxmlformats.org/officeDocument/2006/relationships" xmlns:p="http://schemas.openxmlformats.org/presentationml/2006/main">
+  <p:cSld>
+    <p:spTree>
+      <p:nvGrpSpPr>
+        <p:cNvPr id="1" name=""/>
+        <p:cNvGrpSpPr/>
+        <p:nvPr/>
+      </p:nvGrpSpPr>
+      <p:grpSpPr>
+        <a:xfrm>
+          <a:off x="0" y="0"/>
+          <a:ext cx="0" cy="0"/>
+          <a:chOff x="0" y="0"/>
+          <a:chExt cx="0" cy="0"/>
+        </a:xfrm>
+      </p:grpSpPr>
+      <p:sp>
+        <p:nvSpPr>
           <p:cNvPr id="2" name="Content Placeholder 1">
             <a:extLst>
               <a:ext uri="{FF2B5EF4-FFF2-40B4-BE49-F238E27FC236}">
@@ -8899,7 +9635,7 @@
 </p:sld>
 </file>
 
-<file path=ppt/slides/slide4.xml><?xml version="1.0" encoding="utf-8"?>
+<file path=ppt/slides/slide5.xml><?xml version="1.0" encoding="utf-8"?>
 <p:sld xmlns:a="http://schemas.openxmlformats.org/drawingml/2006/main" xmlns:r="http://schemas.openxmlformats.org/officeDocument/2006/relationships" xmlns:p="http://schemas.openxmlformats.org/presentationml/2006/main">
   <p:cSld>
     <p:spTree>
@@ -9266,7 +10002,7 @@
 </p:sld>
 </file>
 
-<file path=ppt/slides/slide5.xml><?xml version="1.0" encoding="utf-8"?>
+<file path=ppt/slides/slide6.xml><?xml version="1.0" encoding="utf-8"?>
 <p:sld xmlns:a="http://schemas.openxmlformats.org/drawingml/2006/main" xmlns:r="http://schemas.openxmlformats.org/officeDocument/2006/relationships" xmlns:p="http://schemas.openxmlformats.org/presentationml/2006/main">
   <p:cSld>
     <p:spTree>
@@ -9509,7 +10245,7 @@
 </p:sld>
 </file>
 
-<file path=ppt/slides/slide6.xml><?xml version="1.0" encoding="utf-8"?>
+<file path=ppt/slides/slide7.xml><?xml version="1.0" encoding="utf-8"?>
 <p:sld xmlns:a="http://schemas.openxmlformats.org/drawingml/2006/main" xmlns:r="http://schemas.openxmlformats.org/officeDocument/2006/relationships" xmlns:p="http://schemas.openxmlformats.org/presentationml/2006/main">
   <p:cSld>
     <p:spTree>
@@ -9776,7 +10512,7 @@
 </p:sld>
 </file>
 
-<file path=ppt/slides/slide7.xml><?xml version="1.0" encoding="utf-8"?>
+<file path=ppt/slides/slide8.xml><?xml version="1.0" encoding="utf-8"?>
 <p:sld xmlns:a="http://schemas.openxmlformats.org/drawingml/2006/main" xmlns:r="http://schemas.openxmlformats.org/officeDocument/2006/relationships" xmlns:p="http://schemas.openxmlformats.org/presentationml/2006/main">
   <p:cSld>
     <p:spTree>
@@ -9809,7 +10545,12 @@
             <p:ph type="title"/>
           </p:nvPr>
         </p:nvSpPr>
-        <p:spPr/>
+        <p:spPr>
+          <a:xfrm>
+            <a:off x="696202" y="1951617"/>
+            <a:ext cx="10799595" cy="1910716"/>
+          </a:xfrm>
+        </p:spPr>
         <p:txBody>
           <a:bodyPr/>
           <a:lstStyle/>
@@ -9821,159 +10562,10 @@
           </a:p>
         </p:txBody>
       </p:sp>
-      <p:sp>
-        <p:nvSpPr>
-          <p:cNvPr id="3" name="Text Placeholder 2">
-            <a:extLst>
-              <a:ext uri="{FF2B5EF4-FFF2-40B4-BE49-F238E27FC236}">
-                <a16:creationId xmlns:a16="http://schemas.microsoft.com/office/drawing/2014/main" id="{95AEDD6D-BA2F-9D5B-8986-8A41452B7CDE}"/>
-              </a:ext>
-            </a:extLst>
-          </p:cNvPr>
-          <p:cNvSpPr>
-            <a:spLocks noGrp="1"/>
-          </p:cNvSpPr>
-          <p:nvPr>
-            <p:ph type="body" idx="1"/>
-          </p:nvPr>
-        </p:nvSpPr>
-        <p:spPr/>
-        <p:txBody>
-          <a:bodyPr/>
-          <a:lstStyle/>
-          <a:p>
-            <a:endParaRPr lang="en-US" dirty="0"/>
-          </a:p>
-        </p:txBody>
-      </p:sp>
     </p:spTree>
     <p:extLst>
       <p:ext uri="{BB962C8B-B14F-4D97-AF65-F5344CB8AC3E}">
         <p14:creationId xmlns:p14="http://schemas.microsoft.com/office/powerpoint/2010/main" val="4130552776"/>
-      </p:ext>
-    </p:extLst>
-  </p:cSld>
-  <p:clrMapOvr>
-    <a:masterClrMapping/>
-  </p:clrMapOvr>
-</p:sld>
-</file>
-
-<file path=ppt/slides/slide8.xml><?xml version="1.0" encoding="utf-8"?>
-<p:sld xmlns:a="http://schemas.openxmlformats.org/drawingml/2006/main" xmlns:r="http://schemas.openxmlformats.org/officeDocument/2006/relationships" xmlns:p="http://schemas.openxmlformats.org/presentationml/2006/main">
-  <p:cSld>
-    <p:spTree>
-      <p:nvGrpSpPr>
-        <p:cNvPr id="1" name=""/>
-        <p:cNvGrpSpPr/>
-        <p:nvPr/>
-      </p:nvGrpSpPr>
-      <p:grpSpPr>
-        <a:xfrm>
-          <a:off x="0" y="0"/>
-          <a:ext cx="0" cy="0"/>
-          <a:chOff x="0" y="0"/>
-          <a:chExt cx="0" cy="0"/>
-        </a:xfrm>
-      </p:grpSpPr>
-      <p:pic>
-        <p:nvPicPr>
-          <p:cNvPr id="4" name="Content Placeholder 3">
-            <a:extLst>
-              <a:ext uri="{FF2B5EF4-FFF2-40B4-BE49-F238E27FC236}">
-                <a16:creationId xmlns:a16="http://schemas.microsoft.com/office/drawing/2014/main" id="{8CBC2120-D94F-AFF8-0602-5C791835D499}"/>
-              </a:ext>
-            </a:extLst>
-          </p:cNvPr>
-          <p:cNvPicPr>
-            <a:picLocks noGrp="1" noChangeAspect="1"/>
-          </p:cNvPicPr>
-          <p:nvPr>
-            <p:ph idx="13"/>
-          </p:nvPr>
-        </p:nvPicPr>
-        <p:blipFill>
-          <a:blip r:embed="rId2"/>
-          <a:stretch>
-            <a:fillRect/>
-          </a:stretch>
-        </p:blipFill>
-        <p:spPr>
-          <a:xfrm>
-            <a:off x="6247161" y="1913708"/>
-            <a:ext cx="5384800" cy="3149600"/>
-          </a:xfrm>
-          <a:prstGeom prst="rect">
-            <a:avLst/>
-          </a:prstGeom>
-        </p:spPr>
-      </p:pic>
-      <p:sp>
-        <p:nvSpPr>
-          <p:cNvPr id="3" name="Title 2">
-            <a:extLst>
-              <a:ext uri="{FF2B5EF4-FFF2-40B4-BE49-F238E27FC236}">
-                <a16:creationId xmlns:a16="http://schemas.microsoft.com/office/drawing/2014/main" id="{871F2B47-952A-C503-0847-BA0A145BB3FE}"/>
-              </a:ext>
-            </a:extLst>
-          </p:cNvPr>
-          <p:cNvSpPr>
-            <a:spLocks noGrp="1"/>
-          </p:cNvSpPr>
-          <p:nvPr>
-            <p:ph type="title"/>
-          </p:nvPr>
-        </p:nvSpPr>
-        <p:spPr/>
-        <p:txBody>
-          <a:bodyPr/>
-          <a:lstStyle/>
-          <a:p>
-            <a:r>
-              <a:rPr lang="en-US" dirty="0">
-                <a:solidFill>
-                  <a:schemeClr val="tx1"/>
-                </a:solidFill>
-              </a:rPr>
-              <a:t>Random Forest Classifier</a:t>
-            </a:r>
-          </a:p>
-        </p:txBody>
-      </p:sp>
-      <p:pic>
-        <p:nvPicPr>
-          <p:cNvPr id="6" name="Picture 5" descr="A screenshot of a computer&#10;&#10;Description automatically generated with low confidence">
-            <a:extLst>
-              <a:ext uri="{FF2B5EF4-FFF2-40B4-BE49-F238E27FC236}">
-                <a16:creationId xmlns:a16="http://schemas.microsoft.com/office/drawing/2014/main" id="{2FA29971-F650-8FB9-EBC1-571B6AF860C7}"/>
-              </a:ext>
-            </a:extLst>
-          </p:cNvPr>
-          <p:cNvPicPr>
-            <a:picLocks noChangeAspect="1"/>
-          </p:cNvPicPr>
-          <p:nvPr/>
-        </p:nvPicPr>
-        <p:blipFill>
-          <a:blip r:embed="rId3"/>
-          <a:stretch>
-            <a:fillRect/>
-          </a:stretch>
-        </p:blipFill>
-        <p:spPr>
-          <a:xfrm>
-            <a:off x="1172923" y="2052138"/>
-            <a:ext cx="4404360" cy="2872740"/>
-          </a:xfrm>
-          <a:prstGeom prst="rect">
-            <a:avLst/>
-          </a:prstGeom>
-        </p:spPr>
-      </p:pic>
-    </p:spTree>
-    <p:extLst>
-      <p:ext uri="{BB962C8B-B14F-4D97-AF65-F5344CB8AC3E}">
-        <p14:creationId xmlns:p14="http://schemas.microsoft.com/office/powerpoint/2010/main" val="199647969"/>
       </p:ext>
     </p:extLst>
   </p:cSld>
@@ -10000,12 +10592,44 @@
           <a:chExt cx="0" cy="0"/>
         </a:xfrm>
       </p:grpSpPr>
+      <p:pic>
+        <p:nvPicPr>
+          <p:cNvPr id="4" name="Content Placeholder 3">
+            <a:extLst>
+              <a:ext uri="{FF2B5EF4-FFF2-40B4-BE49-F238E27FC236}">
+                <a16:creationId xmlns:a16="http://schemas.microsoft.com/office/drawing/2014/main" id="{8CBC2120-D94F-AFF8-0602-5C791835D499}"/>
+              </a:ext>
+            </a:extLst>
+          </p:cNvPr>
+          <p:cNvPicPr>
+            <a:picLocks noGrp="1" noChangeAspect="1"/>
+          </p:cNvPicPr>
+          <p:nvPr>
+            <p:ph idx="13"/>
+          </p:nvPr>
+        </p:nvPicPr>
+        <p:blipFill>
+          <a:blip r:embed="rId2"/>
+          <a:stretch>
+            <a:fillRect/>
+          </a:stretch>
+        </p:blipFill>
+        <p:spPr>
+          <a:xfrm>
+            <a:off x="6247161" y="1913708"/>
+            <a:ext cx="5384800" cy="3149600"/>
+          </a:xfrm>
+          <a:prstGeom prst="rect">
+            <a:avLst/>
+          </a:prstGeom>
+        </p:spPr>
+      </p:pic>
       <p:sp>
         <p:nvSpPr>
           <p:cNvPr id="3" name="Title 2">
             <a:extLst>
               <a:ext uri="{FF2B5EF4-FFF2-40B4-BE49-F238E27FC236}">
-                <a16:creationId xmlns:a16="http://schemas.microsoft.com/office/drawing/2014/main" id="{CFA19B76-099F-9821-110E-AE530EB8BF3C}"/>
+                <a16:creationId xmlns:a16="http://schemas.microsoft.com/office/drawing/2014/main" id="{871F2B47-952A-C503-0847-BA0A145BB3FE}"/>
               </a:ext>
             </a:extLst>
           </p:cNvPr>
@@ -10027,49 +10651,17 @@
                   <a:schemeClr val="tx1"/>
                 </a:solidFill>
               </a:rPr>
-              <a:t>Logistic Regression</a:t>
+              <a:t>Random Forest Classifier</a:t>
             </a:r>
           </a:p>
         </p:txBody>
       </p:sp>
       <p:pic>
         <p:nvPicPr>
-          <p:cNvPr id="4" name="Content Placeholder 3" descr="A picture containing treemap chart&#10;&#10;Description automatically generated">
-            <a:extLst>
-              <a:ext uri="{FF2B5EF4-FFF2-40B4-BE49-F238E27FC236}">
-                <a16:creationId xmlns:a16="http://schemas.microsoft.com/office/drawing/2014/main" id="{83CC4C23-6E88-76CD-BA5F-FA6C3C089A43}"/>
-              </a:ext>
-            </a:extLst>
-          </p:cNvPr>
-          <p:cNvPicPr>
-            <a:picLocks noGrp="1" noChangeAspect="1"/>
-          </p:cNvPicPr>
-          <p:nvPr>
-            <p:ph idx="13"/>
-          </p:nvPr>
-        </p:nvPicPr>
-        <p:blipFill>
-          <a:blip r:embed="rId2"/>
-          <a:stretch>
-            <a:fillRect/>
-          </a:stretch>
-        </p:blipFill>
-        <p:spPr>
-          <a:xfrm>
-            <a:off x="5716299" y="1803322"/>
-            <a:ext cx="5822053" cy="3475038"/>
-          </a:xfrm>
-          <a:prstGeom prst="rect">
-            <a:avLst/>
-          </a:prstGeom>
-        </p:spPr>
-      </p:pic>
-      <p:pic>
-        <p:nvPicPr>
-          <p:cNvPr id="5" name="Picture 4" descr="A screenshot of a computer&#10;&#10;Description automatically generated with low confidence">
-            <a:extLst>
-              <a:ext uri="{FF2B5EF4-FFF2-40B4-BE49-F238E27FC236}">
-                <a16:creationId xmlns:a16="http://schemas.microsoft.com/office/drawing/2014/main" id="{6ADEC8C5-8A20-87AF-0C05-8E6C50F32018}"/>
+          <p:cNvPr id="6" name="Picture 5" descr="A screenshot of a computer&#10;&#10;Description automatically generated with low confidence">
+            <a:extLst>
+              <a:ext uri="{FF2B5EF4-FFF2-40B4-BE49-F238E27FC236}">
+                <a16:creationId xmlns:a16="http://schemas.microsoft.com/office/drawing/2014/main" id="{2FA29971-F650-8FB9-EBC1-571B6AF860C7}"/>
               </a:ext>
             </a:extLst>
           </p:cNvPr>
@@ -10086,8 +10678,8 @@
         </p:blipFill>
         <p:spPr>
           <a:xfrm>
-            <a:off x="653648" y="2108281"/>
-            <a:ext cx="4632960" cy="2865120"/>
+            <a:off x="1172923" y="2052138"/>
+            <a:ext cx="4404360" cy="2872740"/>
           </a:xfrm>
           <a:prstGeom prst="rect">
             <a:avLst/>
@@ -10097,7 +10689,7 @@
     </p:spTree>
     <p:extLst>
       <p:ext uri="{BB962C8B-B14F-4D97-AF65-F5344CB8AC3E}">
-        <p14:creationId xmlns:p14="http://schemas.microsoft.com/office/powerpoint/2010/main" val="1440357147"/>
+        <p14:creationId xmlns:p14="http://schemas.microsoft.com/office/powerpoint/2010/main" val="199647969"/>
       </p:ext>
     </p:extLst>
   </p:cSld>
